--- a/MinerLeague Presentation.pptx
+++ b/MinerLeague Presentation.pptx
@@ -4,11 +4,16 @@
   <p:sldMasterIdLst>
     <p:sldMasterId id="2147483815" r:id="rId1"/>
   </p:sldMasterIdLst>
+  <p:notesMasterIdLst>
+    <p:notesMasterId r:id="rId8"/>
+  </p:notesMasterIdLst>
   <p:sldIdLst>
     <p:sldId id="256" r:id="rId2"/>
     <p:sldId id="258" r:id="rId3"/>
     <p:sldId id="260" r:id="rId4"/>
     <p:sldId id="261" r:id="rId5"/>
+    <p:sldId id="262" r:id="rId6"/>
+    <p:sldId id="263" r:id="rId7"/>
   </p:sldIdLst>
   <p:sldSz cx="12192000" cy="6858000"/>
   <p:notesSz cx="6858000" cy="9144000"/>
@@ -107,6 +112,11 @@
       </a:defRPr>
     </a:lvl9pPr>
   </p:defaultTextStyle>
+  <p:extLst>
+    <p:ext uri="{EFAFB233-063F-42B5-8137-9DF3F51BA10A}">
+      <p15:sldGuideLst xmlns:p15="http://schemas.microsoft.com/office/powerpoint/2012/main"/>
+    </p:ext>
+  </p:extLst>
 </p:presentation>
 </file>
 
@@ -144,7 +154,7 @@
               </a:defRPr>
             </a:pPr>
             <a:r>
-              <a:rPr lang="en-US"/>
+              <a:rPr lang="en-US" b="1" dirty="0"/>
               <a:t>Beers per Brewery</a:t>
             </a:r>
           </a:p>
@@ -4331,6 +4341,607 @@
 </cs:chartStyle>
 </file>
 
+<file path=ppt/notesMasters/notesMaster1.xml><?xml version="1.0" encoding="utf-8"?>
+<p:notesMaster xmlns:a="http://schemas.openxmlformats.org/drawingml/2006/main" xmlns:r="http://schemas.openxmlformats.org/officeDocument/2006/relationships" xmlns:p="http://schemas.openxmlformats.org/presentationml/2006/main">
+  <p:cSld>
+    <p:bg>
+      <p:bgRef idx="1001">
+        <a:schemeClr val="bg1"/>
+      </p:bgRef>
+    </p:bg>
+    <p:spTree>
+      <p:nvGrpSpPr>
+        <p:cNvPr id="1" name=""/>
+        <p:cNvGrpSpPr/>
+        <p:nvPr/>
+      </p:nvGrpSpPr>
+      <p:grpSpPr>
+        <a:xfrm>
+          <a:off x="0" y="0"/>
+          <a:ext cx="0" cy="0"/>
+          <a:chOff x="0" y="0"/>
+          <a:chExt cx="0" cy="0"/>
+        </a:xfrm>
+      </p:grpSpPr>
+      <p:sp>
+        <p:nvSpPr>
+          <p:cNvPr id="2" name="Header Placeholder 1"/>
+          <p:cNvSpPr>
+            <a:spLocks noGrp="1"/>
+          </p:cNvSpPr>
+          <p:nvPr>
+            <p:ph type="hdr" sz="quarter"/>
+          </p:nvPr>
+        </p:nvSpPr>
+        <p:spPr>
+          <a:xfrm>
+            <a:off x="0" y="0"/>
+            <a:ext cx="2971800" cy="458788"/>
+          </a:xfrm>
+          <a:prstGeom prst="rect">
+            <a:avLst/>
+          </a:prstGeom>
+        </p:spPr>
+        <p:txBody>
+          <a:bodyPr vert="horz" lIns="91440" tIns="45720" rIns="91440" bIns="45720" rtlCol="0"/>
+          <a:lstStyle>
+            <a:lvl1pPr algn="l">
+              <a:defRPr sz="1200"/>
+            </a:lvl1pPr>
+          </a:lstStyle>
+          <a:p>
+            <a:endParaRPr lang="en-US"/>
+          </a:p>
+        </p:txBody>
+      </p:sp>
+      <p:sp>
+        <p:nvSpPr>
+          <p:cNvPr id="3" name="Date Placeholder 2"/>
+          <p:cNvSpPr>
+            <a:spLocks noGrp="1"/>
+          </p:cNvSpPr>
+          <p:nvPr>
+            <p:ph type="dt" idx="1"/>
+          </p:nvPr>
+        </p:nvSpPr>
+        <p:spPr>
+          <a:xfrm>
+            <a:off x="3884613" y="0"/>
+            <a:ext cx="2971800" cy="458788"/>
+          </a:xfrm>
+          <a:prstGeom prst="rect">
+            <a:avLst/>
+          </a:prstGeom>
+        </p:spPr>
+        <p:txBody>
+          <a:bodyPr vert="horz" lIns="91440" tIns="45720" rIns="91440" bIns="45720" rtlCol="0"/>
+          <a:lstStyle>
+            <a:lvl1pPr algn="r">
+              <a:defRPr sz="1200"/>
+            </a:lvl1pPr>
+          </a:lstStyle>
+          <a:p>
+            <a:fld id="{716AE770-11DA-436A-9DC6-C5C6EE90CEB2}" type="datetimeFigureOut">
+              <a:rPr lang="en-US" smtClean="0"/>
+              <a:t>6/24/2019</a:t>
+            </a:fld>
+            <a:endParaRPr lang="en-US"/>
+          </a:p>
+        </p:txBody>
+      </p:sp>
+      <p:sp>
+        <p:nvSpPr>
+          <p:cNvPr id="4" name="Slide Image Placeholder 3"/>
+          <p:cNvSpPr>
+            <a:spLocks noGrp="1" noRot="1" noChangeAspect="1"/>
+          </p:cNvSpPr>
+          <p:nvPr>
+            <p:ph type="sldImg" idx="2"/>
+          </p:nvPr>
+        </p:nvSpPr>
+        <p:spPr>
+          <a:xfrm>
+            <a:off x="685800" y="1143000"/>
+            <a:ext cx="5486400" cy="3086100"/>
+          </a:xfrm>
+          <a:prstGeom prst="rect">
+            <a:avLst/>
+          </a:prstGeom>
+          <a:noFill/>
+          <a:ln w="12700">
+            <a:solidFill>
+              <a:prstClr val="black"/>
+            </a:solidFill>
+          </a:ln>
+        </p:spPr>
+        <p:txBody>
+          <a:bodyPr vert="horz" lIns="91440" tIns="45720" rIns="91440" bIns="45720" rtlCol="0" anchor="ctr"/>
+          <a:lstStyle/>
+          <a:p>
+            <a:endParaRPr lang="en-US"/>
+          </a:p>
+        </p:txBody>
+      </p:sp>
+      <p:sp>
+        <p:nvSpPr>
+          <p:cNvPr id="5" name="Notes Placeholder 4"/>
+          <p:cNvSpPr>
+            <a:spLocks noGrp="1"/>
+          </p:cNvSpPr>
+          <p:nvPr>
+            <p:ph type="body" sz="quarter" idx="3"/>
+          </p:nvPr>
+        </p:nvSpPr>
+        <p:spPr>
+          <a:xfrm>
+            <a:off x="685800" y="4400550"/>
+            <a:ext cx="5486400" cy="3600450"/>
+          </a:xfrm>
+          <a:prstGeom prst="rect">
+            <a:avLst/>
+          </a:prstGeom>
+        </p:spPr>
+        <p:txBody>
+          <a:bodyPr vert="horz" lIns="91440" tIns="45720" rIns="91440" bIns="45720" rtlCol="0"/>
+          <a:lstStyle/>
+          <a:p>
+            <a:pPr lvl="0"/>
+            <a:r>
+              <a:rPr lang="en-US"/>
+              <a:t>Edit Master text styles</a:t>
+            </a:r>
+          </a:p>
+          <a:p>
+            <a:pPr lvl="1"/>
+            <a:r>
+              <a:rPr lang="en-US"/>
+              <a:t>Second level</a:t>
+            </a:r>
+          </a:p>
+          <a:p>
+            <a:pPr lvl="2"/>
+            <a:r>
+              <a:rPr lang="en-US"/>
+              <a:t>Third level</a:t>
+            </a:r>
+          </a:p>
+          <a:p>
+            <a:pPr lvl="3"/>
+            <a:r>
+              <a:rPr lang="en-US"/>
+              <a:t>Fourth level</a:t>
+            </a:r>
+          </a:p>
+          <a:p>
+            <a:pPr lvl="4"/>
+            <a:r>
+              <a:rPr lang="en-US"/>
+              <a:t>Fifth level</a:t>
+            </a:r>
+          </a:p>
+        </p:txBody>
+      </p:sp>
+      <p:sp>
+        <p:nvSpPr>
+          <p:cNvPr id="6" name="Footer Placeholder 5"/>
+          <p:cNvSpPr>
+            <a:spLocks noGrp="1"/>
+          </p:cNvSpPr>
+          <p:nvPr>
+            <p:ph type="ftr" sz="quarter" idx="4"/>
+          </p:nvPr>
+        </p:nvSpPr>
+        <p:spPr>
+          <a:xfrm>
+            <a:off x="0" y="8685213"/>
+            <a:ext cx="2971800" cy="458787"/>
+          </a:xfrm>
+          <a:prstGeom prst="rect">
+            <a:avLst/>
+          </a:prstGeom>
+        </p:spPr>
+        <p:txBody>
+          <a:bodyPr vert="horz" lIns="91440" tIns="45720" rIns="91440" bIns="45720" rtlCol="0" anchor="b"/>
+          <a:lstStyle>
+            <a:lvl1pPr algn="l">
+              <a:defRPr sz="1200"/>
+            </a:lvl1pPr>
+          </a:lstStyle>
+          <a:p>
+            <a:endParaRPr lang="en-US"/>
+          </a:p>
+        </p:txBody>
+      </p:sp>
+      <p:sp>
+        <p:nvSpPr>
+          <p:cNvPr id="7" name="Slide Number Placeholder 6"/>
+          <p:cNvSpPr>
+            <a:spLocks noGrp="1"/>
+          </p:cNvSpPr>
+          <p:nvPr>
+            <p:ph type="sldNum" sz="quarter" idx="5"/>
+          </p:nvPr>
+        </p:nvSpPr>
+        <p:spPr>
+          <a:xfrm>
+            <a:off x="3884613" y="8685213"/>
+            <a:ext cx="2971800" cy="458787"/>
+          </a:xfrm>
+          <a:prstGeom prst="rect">
+            <a:avLst/>
+          </a:prstGeom>
+        </p:spPr>
+        <p:txBody>
+          <a:bodyPr vert="horz" lIns="91440" tIns="45720" rIns="91440" bIns="45720" rtlCol="0" anchor="b"/>
+          <a:lstStyle>
+            <a:lvl1pPr algn="r">
+              <a:defRPr sz="1200"/>
+            </a:lvl1pPr>
+          </a:lstStyle>
+          <a:p>
+            <a:fld id="{22D87DB7-087C-4DFB-9E96-FFC53A8F6A1D}" type="slidenum">
+              <a:rPr lang="en-US" smtClean="0"/>
+              <a:t>‹#›</a:t>
+            </a:fld>
+            <a:endParaRPr lang="en-US"/>
+          </a:p>
+        </p:txBody>
+      </p:sp>
+    </p:spTree>
+    <p:extLst>
+      <p:ext uri="{BB962C8B-B14F-4D97-AF65-F5344CB8AC3E}">
+        <p14:creationId xmlns:p14="http://schemas.microsoft.com/office/powerpoint/2010/main" val="3916396274"/>
+      </p:ext>
+    </p:extLst>
+  </p:cSld>
+  <p:clrMap bg1="lt1" tx1="dk1" bg2="lt2" tx2="dk2" accent1="accent1" accent2="accent2" accent3="accent3" accent4="accent4" accent5="accent5" accent6="accent6" hlink="hlink" folHlink="folHlink"/>
+  <p:notesStyle>
+    <a:lvl1pPr marL="0" algn="l" defTabSz="914400" rtl="0" eaLnBrk="1" latinLnBrk="0" hangingPunct="1">
+      <a:defRPr sz="1200" kern="1200">
+        <a:solidFill>
+          <a:schemeClr val="tx1"/>
+        </a:solidFill>
+        <a:latin typeface="+mn-lt"/>
+        <a:ea typeface="+mn-ea"/>
+        <a:cs typeface="+mn-cs"/>
+      </a:defRPr>
+    </a:lvl1pPr>
+    <a:lvl2pPr marL="457200" algn="l" defTabSz="914400" rtl="0" eaLnBrk="1" latinLnBrk="0" hangingPunct="1">
+      <a:defRPr sz="1200" kern="1200">
+        <a:solidFill>
+          <a:schemeClr val="tx1"/>
+        </a:solidFill>
+        <a:latin typeface="+mn-lt"/>
+        <a:ea typeface="+mn-ea"/>
+        <a:cs typeface="+mn-cs"/>
+      </a:defRPr>
+    </a:lvl2pPr>
+    <a:lvl3pPr marL="914400" algn="l" defTabSz="914400" rtl="0" eaLnBrk="1" latinLnBrk="0" hangingPunct="1">
+      <a:defRPr sz="1200" kern="1200">
+        <a:solidFill>
+          <a:schemeClr val="tx1"/>
+        </a:solidFill>
+        <a:latin typeface="+mn-lt"/>
+        <a:ea typeface="+mn-ea"/>
+        <a:cs typeface="+mn-cs"/>
+      </a:defRPr>
+    </a:lvl3pPr>
+    <a:lvl4pPr marL="1371600" algn="l" defTabSz="914400" rtl="0" eaLnBrk="1" latinLnBrk="0" hangingPunct="1">
+      <a:defRPr sz="1200" kern="1200">
+        <a:solidFill>
+          <a:schemeClr val="tx1"/>
+        </a:solidFill>
+        <a:latin typeface="+mn-lt"/>
+        <a:ea typeface="+mn-ea"/>
+        <a:cs typeface="+mn-cs"/>
+      </a:defRPr>
+    </a:lvl4pPr>
+    <a:lvl5pPr marL="1828800" algn="l" defTabSz="914400" rtl="0" eaLnBrk="1" latinLnBrk="0" hangingPunct="1">
+      <a:defRPr sz="1200" kern="1200">
+        <a:solidFill>
+          <a:schemeClr val="tx1"/>
+        </a:solidFill>
+        <a:latin typeface="+mn-lt"/>
+        <a:ea typeface="+mn-ea"/>
+        <a:cs typeface="+mn-cs"/>
+      </a:defRPr>
+    </a:lvl5pPr>
+    <a:lvl6pPr marL="2286000" algn="l" defTabSz="914400" rtl="0" eaLnBrk="1" latinLnBrk="0" hangingPunct="1">
+      <a:defRPr sz="1200" kern="1200">
+        <a:solidFill>
+          <a:schemeClr val="tx1"/>
+        </a:solidFill>
+        <a:latin typeface="+mn-lt"/>
+        <a:ea typeface="+mn-ea"/>
+        <a:cs typeface="+mn-cs"/>
+      </a:defRPr>
+    </a:lvl6pPr>
+    <a:lvl7pPr marL="2743200" algn="l" defTabSz="914400" rtl="0" eaLnBrk="1" latinLnBrk="0" hangingPunct="1">
+      <a:defRPr sz="1200" kern="1200">
+        <a:solidFill>
+          <a:schemeClr val="tx1"/>
+        </a:solidFill>
+        <a:latin typeface="+mn-lt"/>
+        <a:ea typeface="+mn-ea"/>
+        <a:cs typeface="+mn-cs"/>
+      </a:defRPr>
+    </a:lvl7pPr>
+    <a:lvl8pPr marL="3200400" algn="l" defTabSz="914400" rtl="0" eaLnBrk="1" latinLnBrk="0" hangingPunct="1">
+      <a:defRPr sz="1200" kern="1200">
+        <a:solidFill>
+          <a:schemeClr val="tx1"/>
+        </a:solidFill>
+        <a:latin typeface="+mn-lt"/>
+        <a:ea typeface="+mn-ea"/>
+        <a:cs typeface="+mn-cs"/>
+      </a:defRPr>
+    </a:lvl8pPr>
+    <a:lvl9pPr marL="3657600" algn="l" defTabSz="914400" rtl="0" eaLnBrk="1" latinLnBrk="0" hangingPunct="1">
+      <a:defRPr sz="1200" kern="1200">
+        <a:solidFill>
+          <a:schemeClr val="tx1"/>
+        </a:solidFill>
+        <a:latin typeface="+mn-lt"/>
+        <a:ea typeface="+mn-ea"/>
+        <a:cs typeface="+mn-cs"/>
+      </a:defRPr>
+    </a:lvl9pPr>
+  </p:notesStyle>
+</p:notesMaster>
+</file>
+
+<file path=ppt/notesSlides/notesSlide1.xml><?xml version="1.0" encoding="utf-8"?>
+<p:notes xmlns:a="http://schemas.openxmlformats.org/drawingml/2006/main" xmlns:r="http://schemas.openxmlformats.org/officeDocument/2006/relationships" xmlns:p="http://schemas.openxmlformats.org/presentationml/2006/main">
+  <p:cSld>
+    <p:spTree>
+      <p:nvGrpSpPr>
+        <p:cNvPr id="1" name=""/>
+        <p:cNvGrpSpPr/>
+        <p:nvPr/>
+      </p:nvGrpSpPr>
+      <p:grpSpPr>
+        <a:xfrm>
+          <a:off x="0" y="0"/>
+          <a:ext cx="0" cy="0"/>
+          <a:chOff x="0" y="0"/>
+          <a:chExt cx="0" cy="0"/>
+        </a:xfrm>
+      </p:grpSpPr>
+      <p:sp>
+        <p:nvSpPr>
+          <p:cNvPr id="2" name="Slide Image Placeholder 1"/>
+          <p:cNvSpPr>
+            <a:spLocks noGrp="1" noRot="1" noChangeAspect="1"/>
+          </p:cNvSpPr>
+          <p:nvPr>
+            <p:ph type="sldImg"/>
+          </p:nvPr>
+        </p:nvSpPr>
+        <p:spPr/>
+      </p:sp>
+      <p:sp>
+        <p:nvSpPr>
+          <p:cNvPr id="3" name="Notes Placeholder 2"/>
+          <p:cNvSpPr>
+            <a:spLocks noGrp="1"/>
+          </p:cNvSpPr>
+          <p:nvPr>
+            <p:ph type="body" idx="1"/>
+          </p:nvPr>
+        </p:nvSpPr>
+        <p:spPr/>
+        <p:txBody>
+          <a:bodyPr/>
+          <a:lstStyle/>
+          <a:p>
+            <a:endParaRPr lang="en-US" dirty="0"/>
+          </a:p>
+        </p:txBody>
+      </p:sp>
+      <p:sp>
+        <p:nvSpPr>
+          <p:cNvPr id="4" name="Slide Number Placeholder 3"/>
+          <p:cNvSpPr>
+            <a:spLocks noGrp="1"/>
+          </p:cNvSpPr>
+          <p:nvPr>
+            <p:ph type="sldNum" sz="quarter" idx="5"/>
+          </p:nvPr>
+        </p:nvSpPr>
+        <p:spPr/>
+        <p:txBody>
+          <a:bodyPr/>
+          <a:lstStyle/>
+          <a:p>
+            <a:fld id="{22D87DB7-087C-4DFB-9E96-FFC53A8F6A1D}" type="slidenum">
+              <a:rPr lang="en-US" smtClean="0"/>
+              <a:t>4</a:t>
+            </a:fld>
+            <a:endParaRPr lang="en-US"/>
+          </a:p>
+        </p:txBody>
+      </p:sp>
+    </p:spTree>
+    <p:extLst>
+      <p:ext uri="{BB962C8B-B14F-4D97-AF65-F5344CB8AC3E}">
+        <p14:creationId xmlns:p14="http://schemas.microsoft.com/office/powerpoint/2010/main" val="253629506"/>
+      </p:ext>
+    </p:extLst>
+  </p:cSld>
+  <p:clrMapOvr>
+    <a:masterClrMapping/>
+  </p:clrMapOvr>
+</p:notes>
+</file>
+
+<file path=ppt/notesSlides/notesSlide2.xml><?xml version="1.0" encoding="utf-8"?>
+<p:notes xmlns:a="http://schemas.openxmlformats.org/drawingml/2006/main" xmlns:r="http://schemas.openxmlformats.org/officeDocument/2006/relationships" xmlns:p="http://schemas.openxmlformats.org/presentationml/2006/main">
+  <p:cSld>
+    <p:spTree>
+      <p:nvGrpSpPr>
+        <p:cNvPr id="1" name=""/>
+        <p:cNvGrpSpPr/>
+        <p:nvPr/>
+      </p:nvGrpSpPr>
+      <p:grpSpPr>
+        <a:xfrm>
+          <a:off x="0" y="0"/>
+          <a:ext cx="0" cy="0"/>
+          <a:chOff x="0" y="0"/>
+          <a:chExt cx="0" cy="0"/>
+        </a:xfrm>
+      </p:grpSpPr>
+      <p:sp>
+        <p:nvSpPr>
+          <p:cNvPr id="2" name="Slide Image Placeholder 1"/>
+          <p:cNvSpPr>
+            <a:spLocks noGrp="1" noRot="1" noChangeAspect="1"/>
+          </p:cNvSpPr>
+          <p:nvPr>
+            <p:ph type="sldImg"/>
+          </p:nvPr>
+        </p:nvSpPr>
+        <p:spPr/>
+      </p:sp>
+      <p:sp>
+        <p:nvSpPr>
+          <p:cNvPr id="3" name="Notes Placeholder 2"/>
+          <p:cNvSpPr>
+            <a:spLocks noGrp="1"/>
+          </p:cNvSpPr>
+          <p:nvPr>
+            <p:ph type="body" idx="1"/>
+          </p:nvPr>
+        </p:nvSpPr>
+        <p:spPr/>
+        <p:txBody>
+          <a:bodyPr/>
+          <a:lstStyle/>
+          <a:p>
+            <a:endParaRPr lang="en-US" dirty="0"/>
+          </a:p>
+        </p:txBody>
+      </p:sp>
+      <p:sp>
+        <p:nvSpPr>
+          <p:cNvPr id="4" name="Slide Number Placeholder 3"/>
+          <p:cNvSpPr>
+            <a:spLocks noGrp="1"/>
+          </p:cNvSpPr>
+          <p:nvPr>
+            <p:ph type="sldNum" sz="quarter" idx="5"/>
+          </p:nvPr>
+        </p:nvSpPr>
+        <p:spPr/>
+        <p:txBody>
+          <a:bodyPr/>
+          <a:lstStyle/>
+          <a:p>
+            <a:fld id="{22D87DB7-087C-4DFB-9E96-FFC53A8F6A1D}" type="slidenum">
+              <a:rPr lang="en-US" smtClean="0"/>
+              <a:t>5</a:t>
+            </a:fld>
+            <a:endParaRPr lang="en-US"/>
+          </a:p>
+        </p:txBody>
+      </p:sp>
+    </p:spTree>
+    <p:extLst>
+      <p:ext uri="{BB962C8B-B14F-4D97-AF65-F5344CB8AC3E}">
+        <p14:creationId xmlns:p14="http://schemas.microsoft.com/office/powerpoint/2010/main" val="2427408668"/>
+      </p:ext>
+    </p:extLst>
+  </p:cSld>
+  <p:clrMapOvr>
+    <a:masterClrMapping/>
+  </p:clrMapOvr>
+</p:notes>
+</file>
+
+<file path=ppt/notesSlides/notesSlide3.xml><?xml version="1.0" encoding="utf-8"?>
+<p:notes xmlns:a="http://schemas.openxmlformats.org/drawingml/2006/main" xmlns:r="http://schemas.openxmlformats.org/officeDocument/2006/relationships" xmlns:p="http://schemas.openxmlformats.org/presentationml/2006/main">
+  <p:cSld>
+    <p:spTree>
+      <p:nvGrpSpPr>
+        <p:cNvPr id="1" name=""/>
+        <p:cNvGrpSpPr/>
+        <p:nvPr/>
+      </p:nvGrpSpPr>
+      <p:grpSpPr>
+        <a:xfrm>
+          <a:off x="0" y="0"/>
+          <a:ext cx="0" cy="0"/>
+          <a:chOff x="0" y="0"/>
+          <a:chExt cx="0" cy="0"/>
+        </a:xfrm>
+      </p:grpSpPr>
+      <p:sp>
+        <p:nvSpPr>
+          <p:cNvPr id="2" name="Slide Image Placeholder 1"/>
+          <p:cNvSpPr>
+            <a:spLocks noGrp="1" noRot="1" noChangeAspect="1"/>
+          </p:cNvSpPr>
+          <p:nvPr>
+            <p:ph type="sldImg"/>
+          </p:nvPr>
+        </p:nvSpPr>
+        <p:spPr/>
+      </p:sp>
+      <p:sp>
+        <p:nvSpPr>
+          <p:cNvPr id="3" name="Notes Placeholder 2"/>
+          <p:cNvSpPr>
+            <a:spLocks noGrp="1"/>
+          </p:cNvSpPr>
+          <p:nvPr>
+            <p:ph type="body" idx="1"/>
+          </p:nvPr>
+        </p:nvSpPr>
+        <p:spPr/>
+        <p:txBody>
+          <a:bodyPr/>
+          <a:lstStyle/>
+          <a:p>
+            <a:endParaRPr lang="en-US" dirty="0"/>
+          </a:p>
+        </p:txBody>
+      </p:sp>
+      <p:sp>
+        <p:nvSpPr>
+          <p:cNvPr id="4" name="Slide Number Placeholder 3"/>
+          <p:cNvSpPr>
+            <a:spLocks noGrp="1"/>
+          </p:cNvSpPr>
+          <p:nvPr>
+            <p:ph type="sldNum" sz="quarter" idx="5"/>
+          </p:nvPr>
+        </p:nvSpPr>
+        <p:spPr/>
+        <p:txBody>
+          <a:bodyPr/>
+          <a:lstStyle/>
+          <a:p>
+            <a:fld id="{22D87DB7-087C-4DFB-9E96-FFC53A8F6A1D}" type="slidenum">
+              <a:rPr lang="en-US" smtClean="0"/>
+              <a:t>6</a:t>
+            </a:fld>
+            <a:endParaRPr lang="en-US"/>
+          </a:p>
+        </p:txBody>
+      </p:sp>
+    </p:spTree>
+    <p:extLst>
+      <p:ext uri="{BB962C8B-B14F-4D97-AF65-F5344CB8AC3E}">
+        <p14:creationId xmlns:p14="http://schemas.microsoft.com/office/powerpoint/2010/main" val="2378875738"/>
+      </p:ext>
+    </p:extLst>
+  </p:cSld>
+  <p:clrMapOvr>
+    <a:masterClrMapping/>
+  </p:clrMapOvr>
+</p:notes>
+</file>
+
 <file path=ppt/slideLayouts/slideLayout1.xml><?xml version="1.0" encoding="utf-8"?>
 <p:sldLayout xmlns:a="http://schemas.openxmlformats.org/drawingml/2006/main" xmlns:r="http://schemas.openxmlformats.org/officeDocument/2006/relationships" xmlns:p="http://schemas.openxmlformats.org/presentationml/2006/main" showMasterSp="0" type="title" preserve="1">
   <p:cSld name="Title Slide">
@@ -5542,7 +6153,7 @@
           <a:p>
             <a:fld id="{B7433B46-9C33-4431-BD6C-16E2A502F258}" type="datetimeFigureOut">
               <a:rPr lang="en-US" smtClean="0"/>
-              <a:t>6/20/2019</a:t>
+              <a:t>6/24/2019</a:t>
             </a:fld>
             <a:endParaRPr lang="en-US"/>
           </a:p>
@@ -5780,7 +6391,7 @@
           <a:p>
             <a:fld id="{B7433B46-9C33-4431-BD6C-16E2A502F258}" type="datetimeFigureOut">
               <a:rPr lang="en-US" smtClean="0"/>
-              <a:t>6/20/2019</a:t>
+              <a:t>6/24/2019</a:t>
             </a:fld>
             <a:endParaRPr lang="en-US"/>
           </a:p>
@@ -5960,7 +6571,7 @@
           <a:p>
             <a:fld id="{B7433B46-9C33-4431-BD6C-16E2A502F258}" type="datetimeFigureOut">
               <a:rPr lang="en-US" smtClean="0"/>
-              <a:t>6/20/2019</a:t>
+              <a:t>6/24/2019</a:t>
             </a:fld>
             <a:endParaRPr lang="en-US"/>
           </a:p>
@@ -6130,7 +6741,7 @@
           <a:p>
             <a:fld id="{B7433B46-9C33-4431-BD6C-16E2A502F258}" type="datetimeFigureOut">
               <a:rPr lang="en-US" smtClean="0"/>
-              <a:t>6/20/2019</a:t>
+              <a:t>6/24/2019</a:t>
             </a:fld>
             <a:endParaRPr lang="en-US"/>
           </a:p>
@@ -6406,7 +7017,7 @@
           <a:p>
             <a:fld id="{B7433B46-9C33-4431-BD6C-16E2A502F258}" type="datetimeFigureOut">
               <a:rPr lang="en-US" smtClean="0"/>
-              <a:t>6/20/2019</a:t>
+              <a:t>6/24/2019</a:t>
             </a:fld>
             <a:endParaRPr lang="en-US"/>
           </a:p>
@@ -7607,7 +8218,7 @@
           <a:p>
             <a:fld id="{B7433B46-9C33-4431-BD6C-16E2A502F258}" type="datetimeFigureOut">
               <a:rPr lang="en-US" smtClean="0"/>
-              <a:t>6/20/2019</a:t>
+              <a:t>6/24/2019</a:t>
             </a:fld>
             <a:endParaRPr lang="en-US"/>
           </a:p>
@@ -7997,7 +8608,7 @@
           <a:p>
             <a:fld id="{B7433B46-9C33-4431-BD6C-16E2A502F258}" type="datetimeFigureOut">
               <a:rPr lang="en-US" smtClean="0"/>
-              <a:t>6/20/2019</a:t>
+              <a:t>6/24/2019</a:t>
             </a:fld>
             <a:endParaRPr lang="en-US"/>
           </a:p>
@@ -8120,7 +8731,7 @@
           <a:p>
             <a:fld id="{B7433B46-9C33-4431-BD6C-16E2A502F258}" type="datetimeFigureOut">
               <a:rPr lang="en-US" smtClean="0"/>
-              <a:t>6/20/2019</a:t>
+              <a:t>6/24/2019</a:t>
             </a:fld>
             <a:endParaRPr lang="en-US"/>
           </a:p>
@@ -8215,7 +8826,7 @@
           <a:p>
             <a:fld id="{B7433B46-9C33-4431-BD6C-16E2A502F258}" type="datetimeFigureOut">
               <a:rPr lang="en-US" smtClean="0"/>
-              <a:t>6/20/2019</a:t>
+              <a:t>6/24/2019</a:t>
             </a:fld>
             <a:endParaRPr lang="en-US"/>
           </a:p>
@@ -8978,7 +9589,7 @@
           <a:p>
             <a:fld id="{B7433B46-9C33-4431-BD6C-16E2A502F258}" type="datetimeFigureOut">
               <a:rPr lang="en-US" smtClean="0"/>
-              <a:t>6/20/2019</a:t>
+              <a:t>6/24/2019</a:t>
             </a:fld>
             <a:endParaRPr lang="en-US"/>
           </a:p>
@@ -9818,7 +10429,7 @@
           <a:p>
             <a:fld id="{B7433B46-9C33-4431-BD6C-16E2A502F258}" type="datetimeFigureOut">
               <a:rPr lang="en-US" smtClean="0"/>
-              <a:t>6/20/2019</a:t>
+              <a:t>6/24/2019</a:t>
             </a:fld>
             <a:endParaRPr lang="en-US"/>
           </a:p>
@@ -10045,7 +10656,7 @@
           <a:p>
             <a:fld id="{B7433B46-9C33-4431-BD6C-16E2A502F258}" type="datetimeFigureOut">
               <a:rPr lang="en-US" smtClean="0"/>
-              <a:t>6/20/2019</a:t>
+              <a:t>6/24/2019</a:t>
             </a:fld>
             <a:endParaRPr lang="en-US"/>
           </a:p>
@@ -11172,7 +11783,11 @@
               <a:t>The top 5 states produce </a:t>
             </a:r>
             <a:r>
-              <a:rPr lang="en-US" b="1" dirty="0"/>
+              <a:rPr lang="en-US" b="1" dirty="0">
+                <a:solidFill>
+                  <a:srgbClr val="A14039"/>
+                </a:solidFill>
+              </a:rPr>
               <a:t>865(36%) </a:t>
             </a:r>
             <a:r>
@@ -11180,7 +11795,11 @@
               <a:t>of beers and represent </a:t>
             </a:r>
             <a:r>
-              <a:rPr lang="en-US" b="1" dirty="0"/>
+              <a:rPr lang="en-US" b="1" dirty="0">
+                <a:solidFill>
+                  <a:srgbClr val="A14039"/>
+                </a:solidFill>
+              </a:rPr>
               <a:t>31%</a:t>
             </a:r>
             <a:r>
@@ -11409,7 +12028,7 @@
         <p:spPr>
           <a:xfrm>
             <a:off x="726761" y="4386773"/>
-            <a:ext cx="4857750" cy="1908215"/>
+            <a:ext cx="4857750" cy="2185214"/>
           </a:xfrm>
           <a:prstGeom prst="rect">
             <a:avLst/>
@@ -11424,8 +12043,35 @@
           <a:p>
             <a:r>
               <a:rPr lang="en-US" dirty="0"/>
-              <a:t> The bottom 20 states only produce x# of beers and only represent 10% of the breweries in the US</a:t>
-            </a:r>
+              <a:t> The bottom 20 states only produce </a:t>
+            </a:r>
+            <a:r>
+              <a:rPr lang="en-US" b="1" dirty="0">
+                <a:solidFill>
+                  <a:srgbClr val="A14039"/>
+                </a:solidFill>
+              </a:rPr>
+              <a:t>220(9%) </a:t>
+            </a:r>
+            <a:r>
+              <a:rPr lang="en-US" dirty="0"/>
+              <a:t>of beers and only represent </a:t>
+            </a:r>
+            <a:r>
+              <a:rPr lang="en-US" b="1" dirty="0">
+                <a:solidFill>
+                  <a:srgbClr val="A14039"/>
+                </a:solidFill>
+              </a:rPr>
+              <a:t>8%</a:t>
+            </a:r>
+            <a:r>
+              <a:rPr lang="en-US" dirty="0"/>
+              <a:t> of the breweries in the US</a:t>
+            </a:r>
+          </a:p>
+          <a:p>
+            <a:endParaRPr lang="en-US" dirty="0"/>
           </a:p>
           <a:p>
             <a:pPr marL="742950" lvl="1" indent="-285750">
@@ -11533,7 +12179,7 @@
           <p:nvPr>
             <p:extLst>
               <p:ext uri="{D42A27DB-BD31-4B8C-83A1-F6EECF244321}">
-                <p14:modId xmlns:p14="http://schemas.microsoft.com/office/powerpoint/2010/main" val="3204368315"/>
+                <p14:modId xmlns:p14="http://schemas.microsoft.com/office/powerpoint/2010/main" val="3380260850"/>
               </p:ext>
             </p:extLst>
           </p:nvPr>
@@ -11582,58 +12228,6 @@
               </a:rPr>
               <a:t>Even states with less than 5 Breweries produce Variety of Beers</a:t>
             </a:r>
-          </a:p>
-        </p:txBody>
-      </p:sp>
-      <p:sp>
-        <p:nvSpPr>
-          <p:cNvPr id="5" name="Rectangle 4">
-            <a:extLst>
-              <a:ext uri="{FF2B5EF4-FFF2-40B4-BE49-F238E27FC236}">
-                <a16:creationId xmlns:a16="http://schemas.microsoft.com/office/drawing/2014/main" id="{EB1236B5-F7D7-4BB1-962C-343AEB7E506D}"/>
-              </a:ext>
-            </a:extLst>
-          </p:cNvPr>
-          <p:cNvSpPr/>
-          <p:nvPr/>
-        </p:nvSpPr>
-        <p:spPr>
-          <a:xfrm>
-            <a:off x="14065140" y="713487"/>
-            <a:ext cx="571500" cy="5221694"/>
-          </a:xfrm>
-          <a:prstGeom prst="rect">
-            <a:avLst/>
-          </a:prstGeom>
-          <a:noFill/>
-        </p:spPr>
-        <p:style>
-          <a:lnRef idx="2">
-            <a:schemeClr val="accent1">
-              <a:shade val="50000"/>
-            </a:schemeClr>
-          </a:lnRef>
-          <a:fillRef idx="1">
-            <a:schemeClr val="accent1"/>
-          </a:fillRef>
-          <a:effectRef idx="0">
-            <a:schemeClr val="accent1"/>
-          </a:effectRef>
-          <a:fontRef idx="minor">
-            <a:schemeClr val="lt1"/>
-          </a:fontRef>
-        </p:style>
-        <p:txBody>
-          <a:bodyPr rot="0" spcFirstLastPara="0" vertOverflow="overflow" horzOverflow="overflow" vert="horz" wrap="square" lIns="91440" tIns="45720" rIns="91440" bIns="45720" numCol="1" spcCol="0" rtlCol="0" fromWordArt="0" anchor="ctr" anchorCtr="0" forceAA="0" compatLnSpc="1">
-            <a:prstTxWarp prst="textNoShape">
-              <a:avLst/>
-            </a:prstTxWarp>
-            <a:noAutofit/>
-          </a:bodyPr>
-          <a:lstStyle/>
-          <a:p>
-            <a:pPr algn="ctr"/>
-            <a:endParaRPr lang="en-US"/>
           </a:p>
         </p:txBody>
       </p:sp>
@@ -11921,55 +12515,6 @@
               <a:buChar char="•"/>
             </a:pPr>
             <a:endParaRPr lang="en-US" sz="1400" dirty="0"/>
-          </a:p>
-        </p:txBody>
-      </p:sp>
-      <p:sp>
-        <p:nvSpPr>
-          <p:cNvPr id="3" name="Rectangle 2">
-            <a:extLst>
-              <a:ext uri="{FF2B5EF4-FFF2-40B4-BE49-F238E27FC236}">
-                <a16:creationId xmlns:a16="http://schemas.microsoft.com/office/drawing/2014/main" id="{31FF8E1C-6620-480F-90DE-2E68DE485F46}"/>
-              </a:ext>
-            </a:extLst>
-          </p:cNvPr>
-          <p:cNvSpPr/>
-          <p:nvPr/>
-        </p:nvSpPr>
-        <p:spPr>
-          <a:xfrm>
-            <a:off x="2732898" y="759855"/>
-            <a:ext cx="2313991" cy="557996"/>
-          </a:xfrm>
-          <a:prstGeom prst="rect">
-            <a:avLst/>
-          </a:prstGeom>
-        </p:spPr>
-        <p:style>
-          <a:lnRef idx="2">
-            <a:schemeClr val="accent1">
-              <a:shade val="50000"/>
-            </a:schemeClr>
-          </a:lnRef>
-          <a:fillRef idx="1">
-            <a:schemeClr val="accent1"/>
-          </a:fillRef>
-          <a:effectRef idx="0">
-            <a:schemeClr val="accent1"/>
-          </a:effectRef>
-          <a:fontRef idx="minor">
-            <a:schemeClr val="lt1"/>
-          </a:fontRef>
-        </p:style>
-        <p:txBody>
-          <a:bodyPr rtlCol="0" anchor="ctr"/>
-          <a:lstStyle/>
-          <a:p>
-            <a:pPr algn="ctr"/>
-            <a:r>
-              <a:rPr lang="en-US" dirty="0"/>
-              <a:t>Need to create this chart in R</a:t>
-            </a:r>
           </a:p>
         </p:txBody>
       </p:sp>
@@ -12185,7 +12730,7 @@
           <p:nvPr/>
         </p:nvPicPr>
         <p:blipFill>
-          <a:blip r:embed="rId2"/>
+          <a:blip r:embed="rId3"/>
           <a:stretch>
             <a:fillRect/>
           </a:stretch>
@@ -12215,7 +12760,7 @@
           <p:nvPr/>
         </p:nvPicPr>
         <p:blipFill rotWithShape="1">
-          <a:blip r:embed="rId3"/>
+          <a:blip r:embed="rId4"/>
           <a:srcRect l="7942" r="7223"/>
           <a:stretch/>
         </p:blipFill>
@@ -12388,7 +12933,7 @@
         </p:xfrm>
         <a:graphic>
           <a:graphicData uri="http://schemas.openxmlformats.org/drawingml/2006/chart">
-            <c:chart xmlns:c="http://schemas.openxmlformats.org/drawingml/2006/chart" xmlns:r="http://schemas.openxmlformats.org/officeDocument/2006/relationships" r:id="rId4"/>
+            <c:chart xmlns:c="http://schemas.openxmlformats.org/drawingml/2006/chart" xmlns:r="http://schemas.openxmlformats.org/officeDocument/2006/relationships" r:id="rId5"/>
           </a:graphicData>
         </a:graphic>
       </p:graphicFrame>
@@ -12406,7 +12951,7 @@
         </p:nvSpPr>
         <p:spPr>
           <a:xfrm>
-            <a:off x="977422" y="4902675"/>
+            <a:off x="524921" y="4534639"/>
             <a:ext cx="255182" cy="244548"/>
           </a:xfrm>
           <a:prstGeom prst="ellipse">
@@ -12458,8 +13003,8 @@
         </p:nvSpPr>
         <p:spPr>
           <a:xfrm>
-            <a:off x="1232604" y="4848470"/>
-            <a:ext cx="10738478" cy="1231106"/>
+            <a:off x="780103" y="4470909"/>
+            <a:ext cx="10738478" cy="1938992"/>
           </a:xfrm>
           <a:prstGeom prst="rect">
             <a:avLst/>
@@ -12474,7 +13019,7 @@
           <a:p>
             <a:r>
               <a:rPr lang="en-US" sz="1400" dirty="0"/>
-              <a:t>Beers brewed in Utah and New Jersey average between 4-5% for ABV, most other States are </a:t>
+              <a:t>Beers brewed in Utah (UT) and New Jersey (NJ) average between 4-5% for ABV, most other States are </a:t>
             </a:r>
             <a:r>
               <a:rPr lang="en-US" sz="1600" b="1" cap="all" spc="200" dirty="0">
@@ -12484,15 +13029,12 @@
                 <a:ea typeface="+mj-ea"/>
                 <a:cs typeface="+mj-cs"/>
               </a:rPr>
-              <a:t>5% or higher</a:t>
+              <a:t>5% or higher </a:t>
             </a:r>
             <a:r>
               <a:rPr lang="en-US" sz="1400" dirty="0"/>
-              <a:t>.</a:t>
-            </a:r>
-          </a:p>
-          <a:p>
-            <a:endParaRPr lang="en-US" sz="1400" dirty="0"/>
+              <a:t>with Kentucky (KY) having the highest ABV.</a:t>
+            </a:r>
           </a:p>
           <a:p>
             <a:endParaRPr lang="en-US" sz="1400" dirty="0"/>
@@ -12528,11 +13070,58 @@
             </a:r>
           </a:p>
           <a:p>
-            <a:pPr marL="742950" lvl="1" indent="-285750">
-              <a:buFont typeface="Arial" panose="020B0604020202020204" pitchFamily="34" charset="0"/>
-              <a:buChar char="•"/>
-            </a:pPr>
             <a:endParaRPr lang="en-US" sz="1400" dirty="0"/>
+          </a:p>
+          <a:p>
+            <a:r>
+              <a:rPr lang="en-US" sz="1400" dirty="0"/>
+              <a:t>Varieties of beers brewed in Washington DC  also happen to have high ABV at </a:t>
+            </a:r>
+            <a:r>
+              <a:rPr lang="en-US" sz="1600" b="1" cap="all" spc="200" dirty="0">
+                <a:solidFill>
+                  <a:srgbClr val="A14039"/>
+                </a:solidFill>
+                <a:ea typeface="+mj-ea"/>
+                <a:cs typeface="+mj-cs"/>
+              </a:rPr>
+              <a:t>6.6%</a:t>
+            </a:r>
+            <a:r>
+              <a:rPr lang="en-US" sz="1400" b="1" cap="all" spc="200" dirty="0">
+                <a:solidFill>
+                  <a:srgbClr val="A14039"/>
+                </a:solidFill>
+                <a:ea typeface="+mj-ea"/>
+                <a:cs typeface="+mj-cs"/>
+              </a:rPr>
+              <a:t>.</a:t>
+            </a:r>
+          </a:p>
+          <a:p>
+            <a:endParaRPr lang="en-US" sz="1400" b="1" cap="all" spc="200" dirty="0">
+              <a:solidFill>
+                <a:srgbClr val="A14039"/>
+              </a:solidFill>
+              <a:ea typeface="+mj-ea"/>
+              <a:cs typeface="+mj-cs"/>
+            </a:endParaRPr>
+          </a:p>
+          <a:p>
+            <a:r>
+              <a:rPr lang="en-US" sz="1400" dirty="0"/>
+              <a:t>In terms of the Highest ABV, Colorado and Kentucky had the beers with the highest ABV at </a:t>
+            </a:r>
+            <a:r>
+              <a:rPr lang="en-US" sz="1600" b="1" cap="all" spc="200" dirty="0">
+                <a:solidFill>
+                  <a:srgbClr val="A14039"/>
+                </a:solidFill>
+                <a:ea typeface="+mj-ea"/>
+                <a:cs typeface="+mj-cs"/>
+              </a:rPr>
+              <a:t>13%.</a:t>
+            </a:r>
           </a:p>
         </p:txBody>
       </p:sp>
@@ -12654,7 +13243,7 @@
         </p:nvSpPr>
         <p:spPr>
           <a:xfrm>
-            <a:off x="969295" y="5527319"/>
+            <a:off x="535844" y="5149758"/>
             <a:ext cx="255182" cy="244548"/>
           </a:xfrm>
           <a:prstGeom prst="ellipse">
@@ -12694,10 +13283,10 @@
       </p:sp>
       <p:sp>
         <p:nvSpPr>
-          <p:cNvPr id="27" name="Rectangle 26">
+          <p:cNvPr id="14" name="Oval 13">
             <a:extLst>
               <a:ext uri="{FF2B5EF4-FFF2-40B4-BE49-F238E27FC236}">
-                <a16:creationId xmlns:a16="http://schemas.microsoft.com/office/drawing/2014/main" id="{FC82D6D6-997D-4634-B5CF-0330CAA3E02C}"/>
+                <a16:creationId xmlns:a16="http://schemas.microsoft.com/office/drawing/2014/main" id="{827E05A6-1CD0-4C3B-A9CD-4EE6944EAF4C}"/>
               </a:ext>
             </a:extLst>
           </p:cNvPr>
@@ -12706,10 +13295,10 @@
         </p:nvSpPr>
         <p:spPr>
           <a:xfrm>
-            <a:off x="7307580" y="3871787"/>
-            <a:ext cx="1899755" cy="270359"/>
+            <a:off x="6501588" y="1189553"/>
+            <a:ext cx="255182" cy="244548"/>
           </a:xfrm>
-          <a:prstGeom prst="rect">
+          <a:prstGeom prst="ellipse">
             <a:avLst/>
           </a:prstGeom>
         </p:spPr>
@@ -12735,8 +13324,115 @@
           <a:p>
             <a:pPr algn="ctr"/>
             <a:r>
-              <a:rPr lang="en-US" sz="1000" dirty="0"/>
-              <a:t>Need to create this chart in R</a:t>
+              <a:rPr lang="en-US" sz="1200" dirty="0">
+                <a:latin typeface="Arial" panose="020B0604020202020204" pitchFamily="34" charset="0"/>
+                <a:cs typeface="Arial" panose="020B0604020202020204" pitchFamily="34" charset="0"/>
+              </a:rPr>
+              <a:t>3</a:t>
+            </a:r>
+          </a:p>
+        </p:txBody>
+      </p:sp>
+      <p:sp>
+        <p:nvSpPr>
+          <p:cNvPr id="16" name="Oval 15">
+            <a:extLst>
+              <a:ext uri="{FF2B5EF4-FFF2-40B4-BE49-F238E27FC236}">
+                <a16:creationId xmlns:a16="http://schemas.microsoft.com/office/drawing/2014/main" id="{6E4080CA-25C9-4266-B4DF-AEF739965490}"/>
+              </a:ext>
+            </a:extLst>
+          </p:cNvPr>
+          <p:cNvSpPr/>
+          <p:nvPr/>
+        </p:nvSpPr>
+        <p:spPr>
+          <a:xfrm>
+            <a:off x="545369" y="5679152"/>
+            <a:ext cx="255182" cy="244548"/>
+          </a:xfrm>
+          <a:prstGeom prst="ellipse">
+            <a:avLst/>
+          </a:prstGeom>
+        </p:spPr>
+        <p:style>
+          <a:lnRef idx="2">
+            <a:schemeClr val="accent1">
+              <a:shade val="50000"/>
+            </a:schemeClr>
+          </a:lnRef>
+          <a:fillRef idx="1">
+            <a:schemeClr val="accent1"/>
+          </a:fillRef>
+          <a:effectRef idx="0">
+            <a:schemeClr val="accent1"/>
+          </a:effectRef>
+          <a:fontRef idx="minor">
+            <a:schemeClr val="lt1"/>
+          </a:fontRef>
+        </p:style>
+        <p:txBody>
+          <a:bodyPr rtlCol="0" anchor="ctr"/>
+          <a:lstStyle/>
+          <a:p>
+            <a:pPr algn="ctr"/>
+            <a:r>
+              <a:rPr lang="en-US" sz="1200" dirty="0">
+                <a:latin typeface="Arial" panose="020B0604020202020204" pitchFamily="34" charset="0"/>
+                <a:cs typeface="Arial" panose="020B0604020202020204" pitchFamily="34" charset="0"/>
+              </a:rPr>
+              <a:t>3</a:t>
+            </a:r>
+          </a:p>
+        </p:txBody>
+      </p:sp>
+      <p:sp>
+        <p:nvSpPr>
+          <p:cNvPr id="18" name="Oval 17">
+            <a:extLst>
+              <a:ext uri="{FF2B5EF4-FFF2-40B4-BE49-F238E27FC236}">
+                <a16:creationId xmlns:a16="http://schemas.microsoft.com/office/drawing/2014/main" id="{A4F86FEF-B3C6-4B1D-9382-D6D00A249580}"/>
+              </a:ext>
+            </a:extLst>
+          </p:cNvPr>
+          <p:cNvSpPr/>
+          <p:nvPr/>
+        </p:nvSpPr>
+        <p:spPr>
+          <a:xfrm>
+            <a:off x="556581" y="6109856"/>
+            <a:ext cx="255182" cy="244548"/>
+          </a:xfrm>
+          <a:prstGeom prst="ellipse">
+            <a:avLst/>
+          </a:prstGeom>
+        </p:spPr>
+        <p:style>
+          <a:lnRef idx="2">
+            <a:schemeClr val="accent1">
+              <a:shade val="50000"/>
+            </a:schemeClr>
+          </a:lnRef>
+          <a:fillRef idx="1">
+            <a:schemeClr val="accent1"/>
+          </a:fillRef>
+          <a:effectRef idx="0">
+            <a:schemeClr val="accent1"/>
+          </a:effectRef>
+          <a:fontRef idx="minor">
+            <a:schemeClr val="lt1"/>
+          </a:fontRef>
+        </p:style>
+        <p:txBody>
+          <a:bodyPr rtlCol="0" anchor="ctr"/>
+          <a:lstStyle/>
+          <a:p>
+            <a:pPr algn="ctr"/>
+            <a:r>
+              <a:rPr lang="en-US" sz="1200" dirty="0">
+                <a:latin typeface="Arial" panose="020B0604020202020204" pitchFamily="34" charset="0"/>
+                <a:cs typeface="Arial" panose="020B0604020202020204" pitchFamily="34" charset="0"/>
+              </a:rPr>
+              <a:t>4</a:t>
             </a:r>
           </a:p>
         </p:txBody>
@@ -12745,6 +13441,966 @@
     <p:extLst>
       <p:ext uri="{BB962C8B-B14F-4D97-AF65-F5344CB8AC3E}">
         <p14:creationId xmlns:p14="http://schemas.microsoft.com/office/powerpoint/2010/main" val="3929401170"/>
+      </p:ext>
+    </p:extLst>
+  </p:cSld>
+  <p:clrMapOvr>
+    <a:masterClrMapping/>
+  </p:clrMapOvr>
+</p:sld>
+</file>
+
+<file path=ppt/slides/slide5.xml><?xml version="1.0" encoding="utf-8"?>
+<p:sld xmlns:a="http://schemas.openxmlformats.org/drawingml/2006/main" xmlns:r="http://schemas.openxmlformats.org/officeDocument/2006/relationships" xmlns:p="http://schemas.openxmlformats.org/presentationml/2006/main">
+  <p:cSld>
+    <p:spTree>
+      <p:nvGrpSpPr>
+        <p:cNvPr id="1" name=""/>
+        <p:cNvGrpSpPr/>
+        <p:nvPr/>
+      </p:nvGrpSpPr>
+      <p:grpSpPr>
+        <a:xfrm>
+          <a:off x="0" y="0"/>
+          <a:ext cx="0" cy="0"/>
+          <a:chOff x="0" y="0"/>
+          <a:chExt cx="0" cy="0"/>
+        </a:xfrm>
+      </p:grpSpPr>
+      <p:sp>
+        <p:nvSpPr>
+          <p:cNvPr id="2" name="Title 1">
+            <a:extLst>
+              <a:ext uri="{FF2B5EF4-FFF2-40B4-BE49-F238E27FC236}">
+                <a16:creationId xmlns:a16="http://schemas.microsoft.com/office/drawing/2014/main" id="{F8BA4BA7-13B5-415C-9CEB-7ED689B0267A}"/>
+              </a:ext>
+            </a:extLst>
+          </p:cNvPr>
+          <p:cNvSpPr>
+            <a:spLocks noGrp="1"/>
+          </p:cNvSpPr>
+          <p:nvPr>
+            <p:ph type="title"/>
+          </p:nvPr>
+        </p:nvSpPr>
+        <p:spPr>
+          <a:xfrm>
+            <a:off x="274636" y="128470"/>
+            <a:ext cx="11550384" cy="849938"/>
+          </a:xfrm>
+        </p:spPr>
+        <p:txBody>
+          <a:bodyPr>
+            <a:normAutofit/>
+          </a:bodyPr>
+          <a:lstStyle/>
+          <a:p>
+            <a:r>
+              <a:rPr lang="en-US" sz="2400" b="1" dirty="0">
+                <a:solidFill>
+                  <a:srgbClr val="A14039"/>
+                </a:solidFill>
+                <a:latin typeface="+mn-lt"/>
+              </a:rPr>
+              <a:t>iPA’s</a:t>
+            </a:r>
+            <a:r>
+              <a:rPr lang="en-US" sz="2000" dirty="0">
+                <a:latin typeface="+mn-lt"/>
+              </a:rPr>
+              <a:t> are Bitter than most other Beer Styles.</a:t>
+            </a:r>
+          </a:p>
+        </p:txBody>
+      </p:sp>
+      <p:sp>
+        <p:nvSpPr>
+          <p:cNvPr id="15" name="TextBox 14">
+            <a:extLst>
+              <a:ext uri="{FF2B5EF4-FFF2-40B4-BE49-F238E27FC236}">
+                <a16:creationId xmlns:a16="http://schemas.microsoft.com/office/drawing/2014/main" id="{EF75C4C3-CA79-4A55-8C22-3AECCFDF61A2}"/>
+              </a:ext>
+            </a:extLst>
+          </p:cNvPr>
+          <p:cNvSpPr txBox="1"/>
+          <p:nvPr/>
+        </p:nvSpPr>
+        <p:spPr>
+          <a:xfrm>
+            <a:off x="9518166" y="6684859"/>
+            <a:ext cx="2452916" cy="215444"/>
+          </a:xfrm>
+          <a:prstGeom prst="rect">
+            <a:avLst/>
+          </a:prstGeom>
+          <a:noFill/>
+        </p:spPr>
+        <p:txBody>
+          <a:bodyPr wrap="none" rtlCol="0">
+            <a:spAutoFit/>
+          </a:bodyPr>
+          <a:lstStyle/>
+          <a:p>
+            <a:r>
+              <a:rPr lang="en-US" sz="800" dirty="0"/>
+              <a:t>Disclaimer :  This analysis is based on a sample dataset</a:t>
+            </a:r>
+          </a:p>
+        </p:txBody>
+      </p:sp>
+      <p:pic>
+        <p:nvPicPr>
+          <p:cNvPr id="4" name="Picture 3">
+            <a:extLst>
+              <a:ext uri="{FF2B5EF4-FFF2-40B4-BE49-F238E27FC236}">
+                <a16:creationId xmlns:a16="http://schemas.microsoft.com/office/drawing/2014/main" id="{EF0B4952-FD66-4EB3-8426-8A45D64BD108}"/>
+              </a:ext>
+            </a:extLst>
+          </p:cNvPr>
+          <p:cNvPicPr>
+            <a:picLocks noChangeAspect="1"/>
+          </p:cNvPicPr>
+          <p:nvPr/>
+        </p:nvPicPr>
+        <p:blipFill>
+          <a:blip r:embed="rId3"/>
+          <a:stretch>
+            <a:fillRect/>
+          </a:stretch>
+        </p:blipFill>
+        <p:spPr>
+          <a:xfrm>
+            <a:off x="5761709" y="695325"/>
+            <a:ext cx="5934567" cy="5715000"/>
+          </a:xfrm>
+          <a:prstGeom prst="rect">
+            <a:avLst/>
+          </a:prstGeom>
+        </p:spPr>
+      </p:pic>
+      <p:sp>
+        <p:nvSpPr>
+          <p:cNvPr id="20" name="TextBox 19">
+            <a:extLst>
+              <a:ext uri="{FF2B5EF4-FFF2-40B4-BE49-F238E27FC236}">
+                <a16:creationId xmlns:a16="http://schemas.microsoft.com/office/drawing/2014/main" id="{FC5E1CDD-14DF-4E54-B673-D1FBD638AACC}"/>
+              </a:ext>
+            </a:extLst>
+          </p:cNvPr>
+          <p:cNvSpPr txBox="1"/>
+          <p:nvPr/>
+        </p:nvSpPr>
+        <p:spPr>
+          <a:xfrm>
+            <a:off x="436165" y="1875442"/>
+            <a:ext cx="5164016" cy="3354765"/>
+          </a:xfrm>
+          <a:prstGeom prst="rect">
+            <a:avLst/>
+          </a:prstGeom>
+          <a:noFill/>
+        </p:spPr>
+        <p:txBody>
+          <a:bodyPr wrap="square" rtlCol="0">
+            <a:spAutoFit/>
+          </a:bodyPr>
+          <a:lstStyle/>
+          <a:p>
+            <a:pPr marL="0" lvl="1"/>
+            <a:r>
+              <a:rPr lang="en-US" dirty="0"/>
+              <a:t>Most beers </a:t>
+            </a:r>
+            <a:r>
+              <a:rPr lang="en-US" b="1" dirty="0">
+                <a:solidFill>
+                  <a:srgbClr val="A14039"/>
+                </a:solidFill>
+              </a:rPr>
+              <a:t>(98%) </a:t>
+            </a:r>
+            <a:r>
+              <a:rPr lang="en-US" dirty="0"/>
+              <a:t>of the higher IBU range(&gt;=100) are IPAs.</a:t>
+            </a:r>
+          </a:p>
+          <a:p>
+            <a:pPr marL="742950" lvl="1" indent="-285750">
+              <a:buFont typeface="Arial" panose="020B0604020202020204" pitchFamily="34" charset="0"/>
+              <a:buChar char="•"/>
+            </a:pPr>
+            <a:endParaRPr lang="en-US" sz="1400" dirty="0"/>
+          </a:p>
+          <a:p>
+            <a:pPr marL="742950" lvl="1" indent="-285750">
+              <a:buFont typeface="Arial" panose="020B0604020202020204" pitchFamily="34" charset="0"/>
+              <a:buChar char="•"/>
+            </a:pPr>
+            <a:r>
+              <a:rPr lang="en-US" sz="1400" dirty="0"/>
+              <a:t>The most bitter beer or the one with the highest IBU is from Astoria Brewing Company from Oregon(OR) at IBU of 138.</a:t>
+            </a:r>
+          </a:p>
+          <a:p>
+            <a:pPr marL="742950" lvl="1" indent="-285750">
+              <a:buFont typeface="Arial" panose="020B0604020202020204" pitchFamily="34" charset="0"/>
+              <a:buChar char="•"/>
+            </a:pPr>
+            <a:endParaRPr lang="en-US" sz="1400" dirty="0"/>
+          </a:p>
+          <a:p>
+            <a:pPr marL="742950" lvl="1" indent="-285750">
+              <a:buFont typeface="Arial" panose="020B0604020202020204" pitchFamily="34" charset="0"/>
+              <a:buChar char="•"/>
+            </a:pPr>
+            <a:r>
+              <a:rPr lang="en-US" sz="1400" dirty="0"/>
+              <a:t>Maine(ME) has the highest median IBU while WV has the highest mean IBU.  </a:t>
+            </a:r>
+          </a:p>
+          <a:p>
+            <a:pPr marL="742950" lvl="1" indent="-285750">
+              <a:buFont typeface="Arial" panose="020B0604020202020204" pitchFamily="34" charset="0"/>
+              <a:buChar char="•"/>
+            </a:pPr>
+            <a:endParaRPr lang="en-US" sz="1400" dirty="0"/>
+          </a:p>
+          <a:p>
+            <a:pPr marL="742950" lvl="1" indent="-285750">
+              <a:buFont typeface="Arial" panose="020B0604020202020204" pitchFamily="34" charset="0"/>
+              <a:buChar char="•"/>
+            </a:pPr>
+            <a:r>
+              <a:rPr lang="en-US" sz="1400" dirty="0"/>
+              <a:t>Wisconsin(WI) has the lowest in terms of both mean and median.</a:t>
+            </a:r>
+          </a:p>
+          <a:p>
+            <a:endParaRPr lang="en-US" dirty="0"/>
+          </a:p>
+          <a:p>
+            <a:endParaRPr lang="en-US" dirty="0"/>
+          </a:p>
+        </p:txBody>
+      </p:sp>
+      <p:sp>
+        <p:nvSpPr>
+          <p:cNvPr id="28" name="Rectangle 27">
+            <a:extLst>
+              <a:ext uri="{FF2B5EF4-FFF2-40B4-BE49-F238E27FC236}">
+                <a16:creationId xmlns:a16="http://schemas.microsoft.com/office/drawing/2014/main" id="{0DF27918-0429-4EED-99FF-A6136BFCBC84}"/>
+              </a:ext>
+            </a:extLst>
+          </p:cNvPr>
+          <p:cNvSpPr/>
+          <p:nvPr/>
+        </p:nvSpPr>
+        <p:spPr>
+          <a:xfrm>
+            <a:off x="11296650" y="1121957"/>
+            <a:ext cx="209550" cy="5221694"/>
+          </a:xfrm>
+          <a:prstGeom prst="rect">
+            <a:avLst/>
+          </a:prstGeom>
+          <a:noFill/>
+        </p:spPr>
+        <p:style>
+          <a:lnRef idx="2">
+            <a:schemeClr val="accent1">
+              <a:shade val="50000"/>
+            </a:schemeClr>
+          </a:lnRef>
+          <a:fillRef idx="1">
+            <a:schemeClr val="accent1"/>
+          </a:fillRef>
+          <a:effectRef idx="0">
+            <a:schemeClr val="accent1"/>
+          </a:effectRef>
+          <a:fontRef idx="minor">
+            <a:schemeClr val="lt1"/>
+          </a:fontRef>
+        </p:style>
+        <p:txBody>
+          <a:bodyPr rot="0" spcFirstLastPara="0" vertOverflow="overflow" horzOverflow="overflow" vert="horz" wrap="square" lIns="91440" tIns="45720" rIns="91440" bIns="45720" numCol="1" spcCol="0" rtlCol="0" fromWordArt="0" anchor="ctr" anchorCtr="0" forceAA="0" compatLnSpc="1">
+            <a:prstTxWarp prst="textNoShape">
+              <a:avLst/>
+            </a:prstTxWarp>
+            <a:noAutofit/>
+          </a:bodyPr>
+          <a:lstStyle/>
+          <a:p>
+            <a:pPr algn="ctr"/>
+            <a:endParaRPr lang="en-US"/>
+          </a:p>
+        </p:txBody>
+      </p:sp>
+      <p:sp>
+        <p:nvSpPr>
+          <p:cNvPr id="29" name="Oval 28">
+            <a:extLst>
+              <a:ext uri="{FF2B5EF4-FFF2-40B4-BE49-F238E27FC236}">
+                <a16:creationId xmlns:a16="http://schemas.microsoft.com/office/drawing/2014/main" id="{A707BC39-3FE3-406A-8A15-B0D978AD1AAA}"/>
+              </a:ext>
+            </a:extLst>
+          </p:cNvPr>
+          <p:cNvSpPr/>
+          <p:nvPr/>
+        </p:nvSpPr>
+        <p:spPr>
+          <a:xfrm>
+            <a:off x="10998067" y="1008394"/>
+            <a:ext cx="255182" cy="244548"/>
+          </a:xfrm>
+          <a:prstGeom prst="ellipse">
+            <a:avLst/>
+          </a:prstGeom>
+        </p:spPr>
+        <p:style>
+          <a:lnRef idx="2">
+            <a:schemeClr val="accent1">
+              <a:shade val="50000"/>
+            </a:schemeClr>
+          </a:lnRef>
+          <a:fillRef idx="1">
+            <a:schemeClr val="accent1"/>
+          </a:fillRef>
+          <a:effectRef idx="0">
+            <a:schemeClr val="accent1"/>
+          </a:effectRef>
+          <a:fontRef idx="minor">
+            <a:schemeClr val="lt1"/>
+          </a:fontRef>
+        </p:style>
+        <p:txBody>
+          <a:bodyPr rtlCol="0" anchor="ctr"/>
+          <a:lstStyle/>
+          <a:p>
+            <a:pPr algn="ctr"/>
+            <a:r>
+              <a:rPr lang="en-US" sz="1200" dirty="0">
+                <a:latin typeface="Arial" panose="020B0604020202020204" pitchFamily="34" charset="0"/>
+                <a:cs typeface="Arial" panose="020B0604020202020204" pitchFamily="34" charset="0"/>
+              </a:rPr>
+              <a:t>2</a:t>
+            </a:r>
+          </a:p>
+        </p:txBody>
+      </p:sp>
+      <p:sp>
+        <p:nvSpPr>
+          <p:cNvPr id="30" name="Oval 29">
+            <a:extLst>
+              <a:ext uri="{FF2B5EF4-FFF2-40B4-BE49-F238E27FC236}">
+                <a16:creationId xmlns:a16="http://schemas.microsoft.com/office/drawing/2014/main" id="{A6A7A275-7D9E-4F4D-8DBE-E222E577ED23}"/>
+              </a:ext>
+            </a:extLst>
+          </p:cNvPr>
+          <p:cNvSpPr/>
+          <p:nvPr/>
+        </p:nvSpPr>
+        <p:spPr>
+          <a:xfrm>
+            <a:off x="6049828" y="3941568"/>
+            <a:ext cx="255182" cy="244548"/>
+          </a:xfrm>
+          <a:prstGeom prst="ellipse">
+            <a:avLst/>
+          </a:prstGeom>
+        </p:spPr>
+        <p:style>
+          <a:lnRef idx="2">
+            <a:schemeClr val="accent1">
+              <a:shade val="50000"/>
+            </a:schemeClr>
+          </a:lnRef>
+          <a:fillRef idx="1">
+            <a:schemeClr val="accent1"/>
+          </a:fillRef>
+          <a:effectRef idx="0">
+            <a:schemeClr val="accent1"/>
+          </a:effectRef>
+          <a:fontRef idx="minor">
+            <a:schemeClr val="lt1"/>
+          </a:fontRef>
+        </p:style>
+        <p:txBody>
+          <a:bodyPr rtlCol="0" anchor="ctr"/>
+          <a:lstStyle/>
+          <a:p>
+            <a:pPr algn="ctr"/>
+            <a:r>
+              <a:rPr lang="en-US" sz="1200" dirty="0">
+                <a:latin typeface="Arial" panose="020B0604020202020204" pitchFamily="34" charset="0"/>
+                <a:cs typeface="Arial" panose="020B0604020202020204" pitchFamily="34" charset="0"/>
+              </a:rPr>
+              <a:t>3</a:t>
+            </a:r>
+          </a:p>
+        </p:txBody>
+      </p:sp>
+      <p:sp>
+        <p:nvSpPr>
+          <p:cNvPr id="31" name="Rectangle 30">
+            <a:extLst>
+              <a:ext uri="{FF2B5EF4-FFF2-40B4-BE49-F238E27FC236}">
+                <a16:creationId xmlns:a16="http://schemas.microsoft.com/office/drawing/2014/main" id="{A524C94D-5F7E-4C9E-9EF1-AC4D320AB1E8}"/>
+              </a:ext>
+            </a:extLst>
+          </p:cNvPr>
+          <p:cNvSpPr/>
+          <p:nvPr/>
+        </p:nvSpPr>
+        <p:spPr>
+          <a:xfrm>
+            <a:off x="6107741" y="4203700"/>
+            <a:ext cx="139357" cy="1787634"/>
+          </a:xfrm>
+          <a:prstGeom prst="rect">
+            <a:avLst/>
+          </a:prstGeom>
+          <a:noFill/>
+          <a:ln w="38100">
+            <a:solidFill>
+              <a:srgbClr val="F8B323"/>
+            </a:solidFill>
+          </a:ln>
+        </p:spPr>
+        <p:style>
+          <a:lnRef idx="2">
+            <a:schemeClr val="accent1">
+              <a:shade val="50000"/>
+            </a:schemeClr>
+          </a:lnRef>
+          <a:fillRef idx="1">
+            <a:schemeClr val="accent1"/>
+          </a:fillRef>
+          <a:effectRef idx="0">
+            <a:schemeClr val="accent1"/>
+          </a:effectRef>
+          <a:fontRef idx="minor">
+            <a:schemeClr val="lt1"/>
+          </a:fontRef>
+        </p:style>
+        <p:txBody>
+          <a:bodyPr rtlCol="0" anchor="ctr"/>
+          <a:lstStyle/>
+          <a:p>
+            <a:pPr algn="ctr"/>
+            <a:endParaRPr lang="en-US"/>
+          </a:p>
+        </p:txBody>
+      </p:sp>
+      <p:sp>
+        <p:nvSpPr>
+          <p:cNvPr id="32" name="Oval 31">
+            <a:extLst>
+              <a:ext uri="{FF2B5EF4-FFF2-40B4-BE49-F238E27FC236}">
+                <a16:creationId xmlns:a16="http://schemas.microsoft.com/office/drawing/2014/main" id="{38C70A65-2C34-4679-80C4-EA76723B3B11}"/>
+              </a:ext>
+            </a:extLst>
+          </p:cNvPr>
+          <p:cNvSpPr/>
+          <p:nvPr/>
+        </p:nvSpPr>
+        <p:spPr>
+          <a:xfrm>
+            <a:off x="872685" y="4227340"/>
+            <a:ext cx="255182" cy="244548"/>
+          </a:xfrm>
+          <a:prstGeom prst="ellipse">
+            <a:avLst/>
+          </a:prstGeom>
+        </p:spPr>
+        <p:style>
+          <a:lnRef idx="2">
+            <a:schemeClr val="accent1">
+              <a:shade val="50000"/>
+            </a:schemeClr>
+          </a:lnRef>
+          <a:fillRef idx="1">
+            <a:schemeClr val="accent1"/>
+          </a:fillRef>
+          <a:effectRef idx="0">
+            <a:schemeClr val="accent1"/>
+          </a:effectRef>
+          <a:fontRef idx="minor">
+            <a:schemeClr val="lt1"/>
+          </a:fontRef>
+        </p:style>
+        <p:txBody>
+          <a:bodyPr rtlCol="0" anchor="ctr"/>
+          <a:lstStyle/>
+          <a:p>
+            <a:pPr algn="ctr"/>
+            <a:r>
+              <a:rPr lang="en-US" sz="1200" dirty="0">
+                <a:latin typeface="Arial" panose="020B0604020202020204" pitchFamily="34" charset="0"/>
+                <a:cs typeface="Arial" panose="020B0604020202020204" pitchFamily="34" charset="0"/>
+              </a:rPr>
+              <a:t>3</a:t>
+            </a:r>
+          </a:p>
+        </p:txBody>
+      </p:sp>
+      <p:sp>
+        <p:nvSpPr>
+          <p:cNvPr id="33" name="Oval 32">
+            <a:extLst>
+              <a:ext uri="{FF2B5EF4-FFF2-40B4-BE49-F238E27FC236}">
+                <a16:creationId xmlns:a16="http://schemas.microsoft.com/office/drawing/2014/main" id="{7A6DB581-A4B5-4F5D-8330-6D9D0920D318}"/>
+              </a:ext>
+            </a:extLst>
+          </p:cNvPr>
+          <p:cNvSpPr/>
+          <p:nvPr/>
+        </p:nvSpPr>
+        <p:spPr>
+          <a:xfrm>
+            <a:off x="872685" y="3592182"/>
+            <a:ext cx="255182" cy="244548"/>
+          </a:xfrm>
+          <a:prstGeom prst="ellipse">
+            <a:avLst/>
+          </a:prstGeom>
+        </p:spPr>
+        <p:style>
+          <a:lnRef idx="2">
+            <a:schemeClr val="accent1">
+              <a:shade val="50000"/>
+            </a:schemeClr>
+          </a:lnRef>
+          <a:fillRef idx="1">
+            <a:schemeClr val="accent1"/>
+          </a:fillRef>
+          <a:effectRef idx="0">
+            <a:schemeClr val="accent1"/>
+          </a:effectRef>
+          <a:fontRef idx="minor">
+            <a:schemeClr val="lt1"/>
+          </a:fontRef>
+        </p:style>
+        <p:txBody>
+          <a:bodyPr rtlCol="0" anchor="ctr"/>
+          <a:lstStyle/>
+          <a:p>
+            <a:pPr algn="ctr"/>
+            <a:r>
+              <a:rPr lang="en-US" sz="1200" dirty="0">
+                <a:latin typeface="Arial" panose="020B0604020202020204" pitchFamily="34" charset="0"/>
+                <a:cs typeface="Arial" panose="020B0604020202020204" pitchFamily="34" charset="0"/>
+              </a:rPr>
+              <a:t>2</a:t>
+            </a:r>
+          </a:p>
+        </p:txBody>
+      </p:sp>
+      <p:sp>
+        <p:nvSpPr>
+          <p:cNvPr id="34" name="Oval 33">
+            <a:extLst>
+              <a:ext uri="{FF2B5EF4-FFF2-40B4-BE49-F238E27FC236}">
+                <a16:creationId xmlns:a16="http://schemas.microsoft.com/office/drawing/2014/main" id="{1A9D5A77-8B2F-4A73-9B30-174E899D6689}"/>
+              </a:ext>
+            </a:extLst>
+          </p:cNvPr>
+          <p:cNvSpPr/>
+          <p:nvPr/>
+        </p:nvSpPr>
+        <p:spPr>
+          <a:xfrm>
+            <a:off x="872685" y="2672297"/>
+            <a:ext cx="255182" cy="244548"/>
+          </a:xfrm>
+          <a:prstGeom prst="ellipse">
+            <a:avLst/>
+          </a:prstGeom>
+        </p:spPr>
+        <p:style>
+          <a:lnRef idx="2">
+            <a:schemeClr val="accent1">
+              <a:shade val="50000"/>
+            </a:schemeClr>
+          </a:lnRef>
+          <a:fillRef idx="1">
+            <a:schemeClr val="accent1"/>
+          </a:fillRef>
+          <a:effectRef idx="0">
+            <a:schemeClr val="accent1"/>
+          </a:effectRef>
+          <a:fontRef idx="minor">
+            <a:schemeClr val="lt1"/>
+          </a:fontRef>
+        </p:style>
+        <p:txBody>
+          <a:bodyPr rtlCol="0" anchor="ctr"/>
+          <a:lstStyle/>
+          <a:p>
+            <a:pPr algn="ctr"/>
+            <a:r>
+              <a:rPr lang="en-US" sz="1200" dirty="0">
+                <a:latin typeface="Arial" panose="020B0604020202020204" pitchFamily="34" charset="0"/>
+                <a:cs typeface="Arial" panose="020B0604020202020204" pitchFamily="34" charset="0"/>
+              </a:rPr>
+              <a:t>1</a:t>
+            </a:r>
+          </a:p>
+        </p:txBody>
+      </p:sp>
+      <p:sp>
+        <p:nvSpPr>
+          <p:cNvPr id="35" name="Oval 34">
+            <a:extLst>
+              <a:ext uri="{FF2B5EF4-FFF2-40B4-BE49-F238E27FC236}">
+                <a16:creationId xmlns:a16="http://schemas.microsoft.com/office/drawing/2014/main" id="{B88FEC97-02A6-4AF7-9BDE-C4FC664792B3}"/>
+              </a:ext>
+            </a:extLst>
+          </p:cNvPr>
+          <p:cNvSpPr/>
+          <p:nvPr/>
+        </p:nvSpPr>
+        <p:spPr>
+          <a:xfrm>
+            <a:off x="9586259" y="2494136"/>
+            <a:ext cx="255182" cy="244548"/>
+          </a:xfrm>
+          <a:prstGeom prst="ellipse">
+            <a:avLst/>
+          </a:prstGeom>
+        </p:spPr>
+        <p:style>
+          <a:lnRef idx="2">
+            <a:schemeClr val="accent1">
+              <a:shade val="50000"/>
+            </a:schemeClr>
+          </a:lnRef>
+          <a:fillRef idx="1">
+            <a:schemeClr val="accent1"/>
+          </a:fillRef>
+          <a:effectRef idx="0">
+            <a:schemeClr val="accent1"/>
+          </a:effectRef>
+          <a:fontRef idx="minor">
+            <a:schemeClr val="lt1"/>
+          </a:fontRef>
+        </p:style>
+        <p:txBody>
+          <a:bodyPr rtlCol="0" anchor="ctr"/>
+          <a:lstStyle/>
+          <a:p>
+            <a:pPr algn="ctr"/>
+            <a:r>
+              <a:rPr lang="en-US" sz="1200" dirty="0">
+                <a:latin typeface="Arial" panose="020B0604020202020204" pitchFamily="34" charset="0"/>
+                <a:cs typeface="Arial" panose="020B0604020202020204" pitchFamily="34" charset="0"/>
+              </a:rPr>
+              <a:t>1</a:t>
+            </a:r>
+          </a:p>
+        </p:txBody>
+      </p:sp>
+    </p:spTree>
+    <p:extLst>
+      <p:ext uri="{BB962C8B-B14F-4D97-AF65-F5344CB8AC3E}">
+        <p14:creationId xmlns:p14="http://schemas.microsoft.com/office/powerpoint/2010/main" val="2274264561"/>
+      </p:ext>
+    </p:extLst>
+  </p:cSld>
+  <p:clrMapOvr>
+    <a:masterClrMapping/>
+  </p:clrMapOvr>
+</p:sld>
+</file>
+
+<file path=ppt/slides/slide6.xml><?xml version="1.0" encoding="utf-8"?>
+<p:sld xmlns:a="http://schemas.openxmlformats.org/drawingml/2006/main" xmlns:r="http://schemas.openxmlformats.org/officeDocument/2006/relationships" xmlns:p="http://schemas.openxmlformats.org/presentationml/2006/main">
+  <p:cSld>
+    <p:spTree>
+      <p:nvGrpSpPr>
+        <p:cNvPr id="1" name=""/>
+        <p:cNvGrpSpPr/>
+        <p:nvPr/>
+      </p:nvGrpSpPr>
+      <p:grpSpPr>
+        <a:xfrm>
+          <a:off x="0" y="0"/>
+          <a:ext cx="0" cy="0"/>
+          <a:chOff x="0" y="0"/>
+          <a:chExt cx="0" cy="0"/>
+        </a:xfrm>
+      </p:grpSpPr>
+      <p:sp>
+        <p:nvSpPr>
+          <p:cNvPr id="2" name="Title 1">
+            <a:extLst>
+              <a:ext uri="{FF2B5EF4-FFF2-40B4-BE49-F238E27FC236}">
+                <a16:creationId xmlns:a16="http://schemas.microsoft.com/office/drawing/2014/main" id="{F8BA4BA7-13B5-415C-9CEB-7ED689B0267A}"/>
+              </a:ext>
+            </a:extLst>
+          </p:cNvPr>
+          <p:cNvSpPr>
+            <a:spLocks noGrp="1"/>
+          </p:cNvSpPr>
+          <p:nvPr>
+            <p:ph type="title"/>
+          </p:nvPr>
+        </p:nvSpPr>
+        <p:spPr>
+          <a:xfrm>
+            <a:off x="145892" y="128470"/>
+            <a:ext cx="11550384" cy="849938"/>
+          </a:xfrm>
+        </p:spPr>
+        <p:txBody>
+          <a:bodyPr>
+            <a:normAutofit/>
+          </a:bodyPr>
+          <a:lstStyle/>
+          <a:p>
+            <a:r>
+              <a:rPr lang="en-US" sz="2000" dirty="0">
+                <a:latin typeface="+mn-lt"/>
+              </a:rPr>
+              <a:t>Beers with High International Bitterness Unit(IBU) are also High in ABV.</a:t>
+            </a:r>
+          </a:p>
+        </p:txBody>
+      </p:sp>
+      <p:sp>
+        <p:nvSpPr>
+          <p:cNvPr id="15" name="TextBox 14">
+            <a:extLst>
+              <a:ext uri="{FF2B5EF4-FFF2-40B4-BE49-F238E27FC236}">
+                <a16:creationId xmlns:a16="http://schemas.microsoft.com/office/drawing/2014/main" id="{EF75C4C3-CA79-4A55-8C22-3AECCFDF61A2}"/>
+              </a:ext>
+            </a:extLst>
+          </p:cNvPr>
+          <p:cNvSpPr txBox="1"/>
+          <p:nvPr/>
+        </p:nvSpPr>
+        <p:spPr>
+          <a:xfrm>
+            <a:off x="9518166" y="6684859"/>
+            <a:ext cx="2452916" cy="215444"/>
+          </a:xfrm>
+          <a:prstGeom prst="rect">
+            <a:avLst/>
+          </a:prstGeom>
+          <a:noFill/>
+        </p:spPr>
+        <p:txBody>
+          <a:bodyPr wrap="none" rtlCol="0">
+            <a:spAutoFit/>
+          </a:bodyPr>
+          <a:lstStyle/>
+          <a:p>
+            <a:r>
+              <a:rPr lang="en-US" sz="800" dirty="0"/>
+              <a:t>Disclaimer :  This analysis is based on a sample dataset</a:t>
+            </a:r>
+          </a:p>
+        </p:txBody>
+      </p:sp>
+      <p:pic>
+        <p:nvPicPr>
+          <p:cNvPr id="3" name="Picture 2">
+            <a:extLst>
+              <a:ext uri="{FF2B5EF4-FFF2-40B4-BE49-F238E27FC236}">
+                <a16:creationId xmlns:a16="http://schemas.microsoft.com/office/drawing/2014/main" id="{6F66F468-3B07-415E-BF3E-4EEA10482A57}"/>
+              </a:ext>
+            </a:extLst>
+          </p:cNvPr>
+          <p:cNvPicPr>
+            <a:picLocks noChangeAspect="1"/>
+          </p:cNvPicPr>
+          <p:nvPr/>
+        </p:nvPicPr>
+        <p:blipFill>
+          <a:blip r:embed="rId3"/>
+          <a:stretch>
+            <a:fillRect/>
+          </a:stretch>
+        </p:blipFill>
+        <p:spPr>
+          <a:xfrm>
+            <a:off x="145892" y="1166996"/>
+            <a:ext cx="5043039" cy="4857048"/>
+          </a:xfrm>
+          <a:prstGeom prst="rect">
+            <a:avLst/>
+          </a:prstGeom>
+        </p:spPr>
+      </p:pic>
+      <p:sp>
+        <p:nvSpPr>
+          <p:cNvPr id="11" name="Rectangle 10">
+            <a:extLst>
+              <a:ext uri="{FF2B5EF4-FFF2-40B4-BE49-F238E27FC236}">
+                <a16:creationId xmlns:a16="http://schemas.microsoft.com/office/drawing/2014/main" id="{17445561-4783-47CA-83CF-FC77C3A0E1CD}"/>
+              </a:ext>
+            </a:extLst>
+          </p:cNvPr>
+          <p:cNvSpPr/>
+          <p:nvPr/>
+        </p:nvSpPr>
+        <p:spPr>
+          <a:xfrm>
+            <a:off x="6653237" y="1936283"/>
+            <a:ext cx="5043039" cy="2677448"/>
+          </a:xfrm>
+          <a:prstGeom prst="rect">
+            <a:avLst/>
+          </a:prstGeom>
+        </p:spPr>
+        <p:txBody>
+          <a:bodyPr wrap="square">
+            <a:spAutoFit/>
+          </a:bodyPr>
+          <a:lstStyle/>
+          <a:p>
+            <a:r>
+              <a:rPr lang="en-US" dirty="0"/>
+              <a:t>Based on our analysis we can concludes that alcoholic content (ABV) and bitterness (IBU) are significantly correlated with a correlation coefficient of </a:t>
+            </a:r>
+            <a:r>
+              <a:rPr lang="en-US" sz="1600" b="1" cap="all" spc="200" dirty="0">
+                <a:solidFill>
+                  <a:srgbClr val="A14039"/>
+                </a:solidFill>
+                <a:ea typeface="+mj-ea"/>
+                <a:cs typeface="+mj-cs"/>
+              </a:rPr>
+              <a:t>0.67</a:t>
+            </a:r>
+            <a:r>
+              <a:rPr lang="en-US" dirty="0"/>
+              <a:t> and p-value of &lt;0.00001.</a:t>
+            </a:r>
+          </a:p>
+          <a:p>
+            <a:endParaRPr lang="en-US" dirty="0"/>
+          </a:p>
+          <a:p>
+            <a:pPr marL="742950" lvl="1" indent="-285750">
+              <a:buFont typeface="Arial" panose="020B0604020202020204" pitchFamily="34" charset="0"/>
+              <a:buChar char="•"/>
+            </a:pPr>
+            <a:r>
+              <a:rPr lang="en-US" sz="1400" dirty="0"/>
+              <a:t>All Beers with IBU higher than </a:t>
+            </a:r>
+            <a:r>
+              <a:rPr lang="en-US" sz="1600" b="1" cap="all" spc="200" dirty="0">
+                <a:solidFill>
+                  <a:srgbClr val="A14039"/>
+                </a:solidFill>
+                <a:ea typeface="+mj-ea"/>
+                <a:cs typeface="+mj-cs"/>
+              </a:rPr>
+              <a:t>100</a:t>
+            </a:r>
+            <a:r>
+              <a:rPr lang="en-US" sz="1400" dirty="0"/>
+              <a:t> had ABV higher than </a:t>
+            </a:r>
+            <a:r>
+              <a:rPr lang="en-US" sz="1600" b="1" cap="all" spc="200" dirty="0">
+                <a:solidFill>
+                  <a:srgbClr val="A14039"/>
+                </a:solidFill>
+                <a:ea typeface="+mj-ea"/>
+                <a:cs typeface="+mj-cs"/>
+              </a:rPr>
+              <a:t>6%.</a:t>
+            </a:r>
+          </a:p>
+          <a:p>
+            <a:pPr marL="742950" lvl="1" indent="-285750">
+              <a:buFont typeface="Arial" panose="020B0604020202020204" pitchFamily="34" charset="0"/>
+              <a:buChar char="•"/>
+            </a:pPr>
+            <a:endParaRPr lang="en-US" sz="1400" dirty="0"/>
+          </a:p>
+          <a:p>
+            <a:pPr marL="742950" lvl="1" indent="-285750">
+              <a:buFont typeface="Arial" panose="020B0604020202020204" pitchFamily="34" charset="0"/>
+              <a:buChar char="•"/>
+            </a:pPr>
+            <a:r>
+              <a:rPr lang="en-US" sz="1400" dirty="0"/>
+              <a:t>Beers in the 4-5% ABV range were all between </a:t>
+            </a:r>
+            <a:r>
+              <a:rPr lang="en-US" sz="1600" b="1" cap="all" spc="200" dirty="0">
+                <a:solidFill>
+                  <a:srgbClr val="A14039"/>
+                </a:solidFill>
+                <a:ea typeface="+mj-ea"/>
+                <a:cs typeface="+mj-cs"/>
+              </a:rPr>
+              <a:t>0-60 </a:t>
+            </a:r>
+            <a:r>
+              <a:rPr lang="en-US" sz="1400" dirty="0"/>
+              <a:t>IBU.</a:t>
+            </a:r>
+          </a:p>
+        </p:txBody>
+      </p:sp>
+      <p:sp>
+        <p:nvSpPr>
+          <p:cNvPr id="12" name="Arrow: Chevron 11">
+            <a:extLst>
+              <a:ext uri="{FF2B5EF4-FFF2-40B4-BE49-F238E27FC236}">
+                <a16:creationId xmlns:a16="http://schemas.microsoft.com/office/drawing/2014/main" id="{2F22BCDB-9A9E-4E5B-8350-FDEA13ADC14F}"/>
+              </a:ext>
+            </a:extLst>
+          </p:cNvPr>
+          <p:cNvSpPr/>
+          <p:nvPr/>
+        </p:nvSpPr>
+        <p:spPr>
+          <a:xfrm>
+            <a:off x="5516070" y="2551778"/>
+            <a:ext cx="955966" cy="1809750"/>
+          </a:xfrm>
+          <a:prstGeom prst="chevron">
+            <a:avLst/>
+          </a:prstGeom>
+        </p:spPr>
+        <p:style>
+          <a:lnRef idx="2">
+            <a:schemeClr val="accent1">
+              <a:shade val="50000"/>
+            </a:schemeClr>
+          </a:lnRef>
+          <a:fillRef idx="1">
+            <a:schemeClr val="accent1"/>
+          </a:fillRef>
+          <a:effectRef idx="0">
+            <a:schemeClr val="accent1"/>
+          </a:effectRef>
+          <a:fontRef idx="minor">
+            <a:schemeClr val="lt1"/>
+          </a:fontRef>
+        </p:style>
+        <p:txBody>
+          <a:bodyPr rtlCol="0" anchor="ctr"/>
+          <a:lstStyle/>
+          <a:p>
+            <a:pPr algn="ctr"/>
+            <a:endParaRPr lang="en-US">
+              <a:solidFill>
+                <a:schemeClr val="tx1"/>
+              </a:solidFill>
+            </a:endParaRPr>
+          </a:p>
+        </p:txBody>
+      </p:sp>
+    </p:spTree>
+    <p:extLst>
+      <p:ext uri="{BB962C8B-B14F-4D97-AF65-F5344CB8AC3E}">
+        <p14:creationId xmlns:p14="http://schemas.microsoft.com/office/powerpoint/2010/main" val="470166591"/>
       </p:ext>
     </p:extLst>
   </p:cSld>
@@ -13012,4 +14668,299 @@
     </a:ext>
   </a:extLst>
 </a:theme>
+</file>
+
+<file path=ppt/theme/theme2.xml><?xml version="1.0" encoding="utf-8"?>
+<a:theme xmlns:a="http://schemas.openxmlformats.org/drawingml/2006/main" name="Office Theme">
+  <a:themeElements>
+    <a:clrScheme name="Office">
+      <a:dk1>
+        <a:sysClr val="windowText" lastClr="000000"/>
+      </a:dk1>
+      <a:lt1>
+        <a:sysClr val="window" lastClr="FFFFFF"/>
+      </a:lt1>
+      <a:dk2>
+        <a:srgbClr val="44546A"/>
+      </a:dk2>
+      <a:lt2>
+        <a:srgbClr val="E7E6E6"/>
+      </a:lt2>
+      <a:accent1>
+        <a:srgbClr val="4472C4"/>
+      </a:accent1>
+      <a:accent2>
+        <a:srgbClr val="ED7D31"/>
+      </a:accent2>
+      <a:accent3>
+        <a:srgbClr val="A5A5A5"/>
+      </a:accent3>
+      <a:accent4>
+        <a:srgbClr val="FFC000"/>
+      </a:accent4>
+      <a:accent5>
+        <a:srgbClr val="5B9BD5"/>
+      </a:accent5>
+      <a:accent6>
+        <a:srgbClr val="70AD47"/>
+      </a:accent6>
+      <a:hlink>
+        <a:srgbClr val="0563C1"/>
+      </a:hlink>
+      <a:folHlink>
+        <a:srgbClr val="954F72"/>
+      </a:folHlink>
+    </a:clrScheme>
+    <a:fontScheme name="Office">
+      <a:majorFont>
+        <a:latin typeface="Calibri Light" panose="020F0302020204030204"/>
+        <a:ea typeface=""/>
+        <a:cs typeface=""/>
+        <a:font script="Jpan" typeface="游ゴシック Light"/>
+        <a:font script="Hang" typeface="맑은 고딕"/>
+        <a:font script="Hans" typeface="等线 Light"/>
+        <a:font script="Hant" typeface="新細明體"/>
+        <a:font script="Arab" typeface="Times New Roman"/>
+        <a:font script="Hebr" typeface="Times New Roman"/>
+        <a:font script="Thai" typeface="Angsana New"/>
+        <a:font script="Ethi" typeface="Nyala"/>
+        <a:font script="Beng" typeface="Vrinda"/>
+        <a:font script="Gujr" typeface="Shruti"/>
+        <a:font script="Khmr" typeface="MoolBoran"/>
+        <a:font script="Knda" typeface="Tunga"/>
+        <a:font script="Guru" typeface="Raavi"/>
+        <a:font script="Cans" typeface="Euphemia"/>
+        <a:font script="Cher" typeface="Plantagenet Cherokee"/>
+        <a:font script="Yiii" typeface="Microsoft Yi Baiti"/>
+        <a:font script="Tibt" typeface="Microsoft Himalaya"/>
+        <a:font script="Thaa" typeface="MV Boli"/>
+        <a:font script="Deva" typeface="Mangal"/>
+        <a:font script="Telu" typeface="Gautami"/>
+        <a:font script="Taml" typeface="Latha"/>
+        <a:font script="Syrc" typeface="Estrangelo Edessa"/>
+        <a:font script="Orya" typeface="Kalinga"/>
+        <a:font script="Mlym" typeface="Kartika"/>
+        <a:font script="Laoo" typeface="DokChampa"/>
+        <a:font script="Sinh" typeface="Iskoola Pota"/>
+        <a:font script="Mong" typeface="Mongolian Baiti"/>
+        <a:font script="Viet" typeface="Times New Roman"/>
+        <a:font script="Uigh" typeface="Microsoft Uighur"/>
+        <a:font script="Geor" typeface="Sylfaen"/>
+        <a:font script="Armn" typeface="Arial"/>
+        <a:font script="Bugi" typeface="Leelawadee UI"/>
+        <a:font script="Bopo" typeface="Microsoft JhengHei"/>
+        <a:font script="Java" typeface="Javanese Text"/>
+        <a:font script="Lisu" typeface="Segoe UI"/>
+        <a:font script="Mymr" typeface="Myanmar Text"/>
+        <a:font script="Nkoo" typeface="Ebrima"/>
+        <a:font script="Olck" typeface="Nirmala UI"/>
+        <a:font script="Osma" typeface="Ebrima"/>
+        <a:font script="Phag" typeface="Phagspa"/>
+        <a:font script="Syrn" typeface="Estrangelo Edessa"/>
+        <a:font script="Syrj" typeface="Estrangelo Edessa"/>
+        <a:font script="Syre" typeface="Estrangelo Edessa"/>
+        <a:font script="Sora" typeface="Nirmala UI"/>
+        <a:font script="Tale" typeface="Microsoft Tai Le"/>
+        <a:font script="Talu" typeface="Microsoft New Tai Lue"/>
+        <a:font script="Tfng" typeface="Ebrima"/>
+      </a:majorFont>
+      <a:minorFont>
+        <a:latin typeface="Calibri" panose="020F0502020204030204"/>
+        <a:ea typeface=""/>
+        <a:cs typeface=""/>
+        <a:font script="Jpan" typeface="游ゴシック"/>
+        <a:font script="Hang" typeface="맑은 고딕"/>
+        <a:font script="Hans" typeface="等线"/>
+        <a:font script="Hant" typeface="新細明體"/>
+        <a:font script="Arab" typeface="Arial"/>
+        <a:font script="Hebr" typeface="Arial"/>
+        <a:font script="Thai" typeface="Cordia New"/>
+        <a:font script="Ethi" typeface="Nyala"/>
+        <a:font script="Beng" typeface="Vrinda"/>
+        <a:font script="Gujr" typeface="Shruti"/>
+        <a:font script="Khmr" typeface="DaunPenh"/>
+        <a:font script="Knda" typeface="Tunga"/>
+        <a:font script="Guru" typeface="Raavi"/>
+        <a:font script="Cans" typeface="Euphemia"/>
+        <a:font script="Cher" typeface="Plantagenet Cherokee"/>
+        <a:font script="Yiii" typeface="Microsoft Yi Baiti"/>
+        <a:font script="Tibt" typeface="Microsoft Himalaya"/>
+        <a:font script="Thaa" typeface="MV Boli"/>
+        <a:font script="Deva" typeface="Mangal"/>
+        <a:font script="Telu" typeface="Gautami"/>
+        <a:font script="Taml" typeface="Latha"/>
+        <a:font script="Syrc" typeface="Estrangelo Edessa"/>
+        <a:font script="Orya" typeface="Kalinga"/>
+        <a:font script="Mlym" typeface="Kartika"/>
+        <a:font script="Laoo" typeface="DokChampa"/>
+        <a:font script="Sinh" typeface="Iskoola Pota"/>
+        <a:font script="Mong" typeface="Mongolian Baiti"/>
+        <a:font script="Viet" typeface="Arial"/>
+        <a:font script="Uigh" typeface="Microsoft Uighur"/>
+        <a:font script="Geor" typeface="Sylfaen"/>
+        <a:font script="Armn" typeface="Arial"/>
+        <a:font script="Bugi" typeface="Leelawadee UI"/>
+        <a:font script="Bopo" typeface="Microsoft JhengHei"/>
+        <a:font script="Java" typeface="Javanese Text"/>
+        <a:font script="Lisu" typeface="Segoe UI"/>
+        <a:font script="Mymr" typeface="Myanmar Text"/>
+        <a:font script="Nkoo" typeface="Ebrima"/>
+        <a:font script="Olck" typeface="Nirmala UI"/>
+        <a:font script="Osma" typeface="Ebrima"/>
+        <a:font script="Phag" typeface="Phagspa"/>
+        <a:font script="Syrn" typeface="Estrangelo Edessa"/>
+        <a:font script="Syrj" typeface="Estrangelo Edessa"/>
+        <a:font script="Syre" typeface="Estrangelo Edessa"/>
+        <a:font script="Sora" typeface="Nirmala UI"/>
+        <a:font script="Tale" typeface="Microsoft Tai Le"/>
+        <a:font script="Talu" typeface="Microsoft New Tai Lue"/>
+        <a:font script="Tfng" typeface="Ebrima"/>
+      </a:minorFont>
+    </a:fontScheme>
+    <a:fmtScheme name="Office">
+      <a:fillStyleLst>
+        <a:solidFill>
+          <a:schemeClr val="phClr"/>
+        </a:solidFill>
+        <a:gradFill rotWithShape="1">
+          <a:gsLst>
+            <a:gs pos="0">
+              <a:schemeClr val="phClr">
+                <a:lumMod val="110000"/>
+                <a:satMod val="105000"/>
+                <a:tint val="67000"/>
+              </a:schemeClr>
+            </a:gs>
+            <a:gs pos="50000">
+              <a:schemeClr val="phClr">
+                <a:lumMod val="105000"/>
+                <a:satMod val="103000"/>
+                <a:tint val="73000"/>
+              </a:schemeClr>
+            </a:gs>
+            <a:gs pos="100000">
+              <a:schemeClr val="phClr">
+                <a:lumMod val="105000"/>
+                <a:satMod val="109000"/>
+                <a:tint val="81000"/>
+              </a:schemeClr>
+            </a:gs>
+          </a:gsLst>
+          <a:lin ang="5400000" scaled="0"/>
+        </a:gradFill>
+        <a:gradFill rotWithShape="1">
+          <a:gsLst>
+            <a:gs pos="0">
+              <a:schemeClr val="phClr">
+                <a:satMod val="103000"/>
+                <a:lumMod val="102000"/>
+                <a:tint val="94000"/>
+              </a:schemeClr>
+            </a:gs>
+            <a:gs pos="50000">
+              <a:schemeClr val="phClr">
+                <a:satMod val="110000"/>
+                <a:lumMod val="100000"/>
+                <a:shade val="100000"/>
+              </a:schemeClr>
+            </a:gs>
+            <a:gs pos="100000">
+              <a:schemeClr val="phClr">
+                <a:lumMod val="99000"/>
+                <a:satMod val="120000"/>
+                <a:shade val="78000"/>
+              </a:schemeClr>
+            </a:gs>
+          </a:gsLst>
+          <a:lin ang="5400000" scaled="0"/>
+        </a:gradFill>
+      </a:fillStyleLst>
+      <a:lnStyleLst>
+        <a:ln w="6350" cap="flat" cmpd="sng" algn="ctr">
+          <a:solidFill>
+            <a:schemeClr val="phClr"/>
+          </a:solidFill>
+          <a:prstDash val="solid"/>
+          <a:miter lim="800000"/>
+        </a:ln>
+        <a:ln w="12700" cap="flat" cmpd="sng" algn="ctr">
+          <a:solidFill>
+            <a:schemeClr val="phClr"/>
+          </a:solidFill>
+          <a:prstDash val="solid"/>
+          <a:miter lim="800000"/>
+        </a:ln>
+        <a:ln w="19050" cap="flat" cmpd="sng" algn="ctr">
+          <a:solidFill>
+            <a:schemeClr val="phClr"/>
+          </a:solidFill>
+          <a:prstDash val="solid"/>
+          <a:miter lim="800000"/>
+        </a:ln>
+      </a:lnStyleLst>
+      <a:effectStyleLst>
+        <a:effectStyle>
+          <a:effectLst/>
+        </a:effectStyle>
+        <a:effectStyle>
+          <a:effectLst/>
+        </a:effectStyle>
+        <a:effectStyle>
+          <a:effectLst>
+            <a:outerShdw blurRad="57150" dist="19050" dir="5400000" algn="ctr" rotWithShape="0">
+              <a:srgbClr val="000000">
+                <a:alpha val="63000"/>
+              </a:srgbClr>
+            </a:outerShdw>
+          </a:effectLst>
+        </a:effectStyle>
+      </a:effectStyleLst>
+      <a:bgFillStyleLst>
+        <a:solidFill>
+          <a:schemeClr val="phClr"/>
+        </a:solidFill>
+        <a:solidFill>
+          <a:schemeClr val="phClr">
+            <a:tint val="95000"/>
+            <a:satMod val="170000"/>
+          </a:schemeClr>
+        </a:solidFill>
+        <a:gradFill rotWithShape="1">
+          <a:gsLst>
+            <a:gs pos="0">
+              <a:schemeClr val="phClr">
+                <a:tint val="93000"/>
+                <a:satMod val="150000"/>
+                <a:shade val="98000"/>
+                <a:lumMod val="102000"/>
+              </a:schemeClr>
+            </a:gs>
+            <a:gs pos="50000">
+              <a:schemeClr val="phClr">
+                <a:tint val="98000"/>
+                <a:satMod val="130000"/>
+                <a:shade val="90000"/>
+                <a:lumMod val="103000"/>
+              </a:schemeClr>
+            </a:gs>
+            <a:gs pos="100000">
+              <a:schemeClr val="phClr">
+                <a:shade val="63000"/>
+                <a:satMod val="120000"/>
+              </a:schemeClr>
+            </a:gs>
+          </a:gsLst>
+          <a:lin ang="5400000" scaled="0"/>
+        </a:gradFill>
+      </a:bgFillStyleLst>
+    </a:fmtScheme>
+  </a:themeElements>
+  <a:objectDefaults/>
+  <a:extraClrSchemeLst/>
+  <a:extLst>
+    <a:ext uri="{05A4C25C-085E-4340-85A3-A5531E510DB2}">
+      <thm15:themeFamily xmlns:thm15="http://schemas.microsoft.com/office/thememl/2012/main" name="Office Theme" id="{62F939B6-93AF-4DB8-9C6B-D6C7DFDC589F}" vid="{4A3C46E8-61CC-4603-A589-7422A47A8E4A}"/>
+    </a:ext>
+  </a:extLst>
+</a:theme>
 </file>